--- a/_posts/202103_asa_update_sql/schema.pptx
+++ b/_posts/202103_asa_update_sql/schema.pptx
@@ -11,6 +11,7 @@
     <p:sldId id="261" r:id="rId5"/>
     <p:sldId id="263" r:id="rId6"/>
     <p:sldId id="262" r:id="rId7"/>
+    <p:sldId id="264" r:id="rId8"/>
   </p:sldIdLst>
   <p:sldSz cx="12192000" cy="6858000"/>
   <p:notesSz cx="6858000" cy="9144000"/>
@@ -264,7 +265,7 @@
           <a:p>
             <a:fld id="{29091AFC-7425-4008-AD8D-1D97C1F81C10}" type="datetimeFigureOut">
               <a:rPr lang="en-US" smtClean="0"/>
-              <a:t>3/2/2021</a:t>
+              <a:t>4/15/2021</a:t>
             </a:fld>
             <a:endParaRPr lang="en-US"/>
           </a:p>
@@ -462,7 +463,7 @@
           <a:p>
             <a:fld id="{29091AFC-7425-4008-AD8D-1D97C1F81C10}" type="datetimeFigureOut">
               <a:rPr lang="en-US" smtClean="0"/>
-              <a:t>3/2/2021</a:t>
+              <a:t>4/15/2021</a:t>
             </a:fld>
             <a:endParaRPr lang="en-US"/>
           </a:p>
@@ -670,7 +671,7 @@
           <a:p>
             <a:fld id="{29091AFC-7425-4008-AD8D-1D97C1F81C10}" type="datetimeFigureOut">
               <a:rPr lang="en-US" smtClean="0"/>
-              <a:t>3/2/2021</a:t>
+              <a:t>4/15/2021</a:t>
             </a:fld>
             <a:endParaRPr lang="en-US"/>
           </a:p>
@@ -868,7 +869,7 @@
           <a:p>
             <a:fld id="{29091AFC-7425-4008-AD8D-1D97C1F81C10}" type="datetimeFigureOut">
               <a:rPr lang="en-US" smtClean="0"/>
-              <a:t>3/2/2021</a:t>
+              <a:t>4/15/2021</a:t>
             </a:fld>
             <a:endParaRPr lang="en-US"/>
           </a:p>
@@ -1143,7 +1144,7 @@
           <a:p>
             <a:fld id="{29091AFC-7425-4008-AD8D-1D97C1F81C10}" type="datetimeFigureOut">
               <a:rPr lang="en-US" smtClean="0"/>
-              <a:t>3/2/2021</a:t>
+              <a:t>4/15/2021</a:t>
             </a:fld>
             <a:endParaRPr lang="en-US"/>
           </a:p>
@@ -1408,7 +1409,7 @@
           <a:p>
             <a:fld id="{29091AFC-7425-4008-AD8D-1D97C1F81C10}" type="datetimeFigureOut">
               <a:rPr lang="en-US" smtClean="0"/>
-              <a:t>3/2/2021</a:t>
+              <a:t>4/15/2021</a:t>
             </a:fld>
             <a:endParaRPr lang="en-US"/>
           </a:p>
@@ -1820,7 +1821,7 @@
           <a:p>
             <a:fld id="{29091AFC-7425-4008-AD8D-1D97C1F81C10}" type="datetimeFigureOut">
               <a:rPr lang="en-US" smtClean="0"/>
-              <a:t>3/2/2021</a:t>
+              <a:t>4/15/2021</a:t>
             </a:fld>
             <a:endParaRPr lang="en-US"/>
           </a:p>
@@ -1961,7 +1962,7 @@
           <a:p>
             <a:fld id="{29091AFC-7425-4008-AD8D-1D97C1F81C10}" type="datetimeFigureOut">
               <a:rPr lang="en-US" smtClean="0"/>
-              <a:t>3/2/2021</a:t>
+              <a:t>4/15/2021</a:t>
             </a:fld>
             <a:endParaRPr lang="en-US"/>
           </a:p>
@@ -2074,7 +2075,7 @@
           <a:p>
             <a:fld id="{29091AFC-7425-4008-AD8D-1D97C1F81C10}" type="datetimeFigureOut">
               <a:rPr lang="en-US" smtClean="0"/>
-              <a:t>3/2/2021</a:t>
+              <a:t>4/15/2021</a:t>
             </a:fld>
             <a:endParaRPr lang="en-US"/>
           </a:p>
@@ -2385,7 +2386,7 @@
           <a:p>
             <a:fld id="{29091AFC-7425-4008-AD8D-1D97C1F81C10}" type="datetimeFigureOut">
               <a:rPr lang="en-US" smtClean="0"/>
-              <a:t>3/2/2021</a:t>
+              <a:t>4/15/2021</a:t>
             </a:fld>
             <a:endParaRPr lang="en-US"/>
           </a:p>
@@ -2673,7 +2674,7 @@
           <a:p>
             <a:fld id="{29091AFC-7425-4008-AD8D-1D97C1F81C10}" type="datetimeFigureOut">
               <a:rPr lang="en-US" smtClean="0"/>
-              <a:t>3/2/2021</a:t>
+              <a:t>4/15/2021</a:t>
             </a:fld>
             <a:endParaRPr lang="en-US"/>
           </a:p>
@@ -2914,7 +2915,7 @@
           <a:p>
             <a:fld id="{29091AFC-7425-4008-AD8D-1D97C1F81C10}" type="datetimeFigureOut">
               <a:rPr lang="en-US" smtClean="0"/>
-              <a:t>3/2/2021</a:t>
+              <a:t>4/15/2021</a:t>
             </a:fld>
             <a:endParaRPr lang="en-US"/>
           </a:p>
@@ -11071,9 +11072,9 @@
               <a:gd name="connsiteX4" fmla="*/ 810072 w 810072"/>
               <a:gd name="connsiteY4" fmla="*/ 230133 h 2255317"/>
               <a:gd name="connsiteX5" fmla="*/ 810072 w 810072"/>
-              <a:gd name="connsiteY5" fmla="*/ 846434 h 2255317"/>
+              <a:gd name="connsiteY5" fmla="*/ 864384 h 2255317"/>
               <a:gd name="connsiteX6" fmla="*/ 810072 w 810072"/>
-              <a:gd name="connsiteY6" fmla="*/ 1426834 h 2255317"/>
+              <a:gd name="connsiteY6" fmla="*/ 1480685 h 2255317"/>
               <a:gd name="connsiteX7" fmla="*/ 810072 w 810072"/>
               <a:gd name="connsiteY7" fmla="*/ 2025184 h 2255317"/>
               <a:gd name="connsiteX8" fmla="*/ 405036 w 810072"/>
@@ -11081,9 +11082,9 @@
               <a:gd name="connsiteX9" fmla="*/ 0 w 810072"/>
               <a:gd name="connsiteY9" fmla="*/ 2025184 h 2255317"/>
               <a:gd name="connsiteX10" fmla="*/ 0 w 810072"/>
-              <a:gd name="connsiteY10" fmla="*/ 1408883 h 2255317"/>
+              <a:gd name="connsiteY10" fmla="*/ 1426834 h 2255317"/>
               <a:gd name="connsiteX11" fmla="*/ 0 w 810072"/>
-              <a:gd name="connsiteY11" fmla="*/ 792582 h 2255317"/>
+              <a:gd name="connsiteY11" fmla="*/ 846434 h 2255317"/>
               <a:gd name="connsiteX12" fmla="*/ 0 w 810072"/>
               <a:gd name="connsiteY12" fmla="*/ 230133 h 2255317"/>
             </a:gdLst>
@@ -11214,6 +11215,71 @@
                 <a:close/>
               </a:path>
               <a:path w="810072" h="2255317" fill="none" extrusionOk="0">
+                <a:moveTo>
+                  <a:pt x="810072" y="230133"/>
+                </a:moveTo>
+                <a:cubicBezTo>
+                  <a:pt x="811091" y="363482"/>
+                  <a:pt x="638044" y="510373"/>
+                  <a:pt x="405036" y="460266"/>
+                </a:cubicBezTo>
+                <a:cubicBezTo>
+                  <a:pt x="189284" y="488992"/>
+                  <a:pt x="-6448" y="364151"/>
+                  <a:pt x="0" y="230133"/>
+                </a:cubicBezTo>
+                <a:cubicBezTo>
+                  <a:pt x="-12624" y="109788"/>
+                  <a:pt x="195304" y="45988"/>
+                  <a:pt x="405036" y="0"/>
+                </a:cubicBezTo>
+                <a:cubicBezTo>
+                  <a:pt x="638318" y="4844"/>
+                  <a:pt x="797608" y="111745"/>
+                  <a:pt x="810072" y="230133"/>
+                </a:cubicBezTo>
+                <a:cubicBezTo>
+                  <a:pt x="799652" y="374896"/>
+                  <a:pt x="833258" y="587181"/>
+                  <a:pt x="810072" y="864384"/>
+                </a:cubicBezTo>
+                <a:cubicBezTo>
+                  <a:pt x="786886" y="1141587"/>
+                  <a:pt x="785781" y="1287209"/>
+                  <a:pt x="810072" y="1480685"/>
+                </a:cubicBezTo>
+                <a:cubicBezTo>
+                  <a:pt x="834363" y="1674161"/>
+                  <a:pt x="786222" y="1798396"/>
+                  <a:pt x="810072" y="2025184"/>
+                </a:cubicBezTo>
+                <a:cubicBezTo>
+                  <a:pt x="831658" y="2154419"/>
+                  <a:pt x="650972" y="2262485"/>
+                  <a:pt x="405036" y="2255317"/>
+                </a:cubicBezTo>
+                <a:cubicBezTo>
+                  <a:pt x="210514" y="2263970"/>
+                  <a:pt x="-15172" y="2126786"/>
+                  <a:pt x="0" y="2025184"/>
+                </a:cubicBezTo>
+                <a:cubicBezTo>
+                  <a:pt x="20642" y="1740678"/>
+                  <a:pt x="26309" y="1653813"/>
+                  <a:pt x="0" y="1426834"/>
+                </a:cubicBezTo>
+                <a:cubicBezTo>
+                  <a:pt x="-26309" y="1199855"/>
+                  <a:pt x="-16838" y="1053058"/>
+                  <a:pt x="0" y="846434"/>
+                </a:cubicBezTo>
+                <a:cubicBezTo>
+                  <a:pt x="16838" y="639810"/>
+                  <a:pt x="1823" y="358546"/>
+                  <a:pt x="0" y="230133"/>
+                </a:cubicBezTo>
+              </a:path>
+              <a:path w="810072" h="2255317" fill="none" stroke="0" extrusionOk="0">
                 <a:moveTo>
                   <a:pt x="810072" y="230133"/>
                 </a:moveTo>
@@ -12319,6 +12385,2421 @@
     <p:extLst>
       <p:ext uri="{BB962C8B-B14F-4D97-AF65-F5344CB8AC3E}">
         <p14:creationId xmlns:p14="http://schemas.microsoft.com/office/powerpoint/2010/main" val="1220387817"/>
+      </p:ext>
+    </p:extLst>
+  </p:cSld>
+  <p:clrMapOvr>
+    <a:masterClrMapping/>
+  </p:clrMapOvr>
+</p:sld>
+</file>
+
+<file path=ppt/slides/slide7.xml><?xml version="1.0" encoding="utf-8"?>
+<p:sld xmlns:a="http://schemas.openxmlformats.org/drawingml/2006/main" xmlns:r="http://schemas.openxmlformats.org/officeDocument/2006/relationships" xmlns:p="http://schemas.openxmlformats.org/presentationml/2006/main">
+  <p:cSld>
+    <p:spTree>
+      <p:nvGrpSpPr>
+        <p:cNvPr id="1" name=""/>
+        <p:cNvGrpSpPr/>
+        <p:nvPr/>
+      </p:nvGrpSpPr>
+      <p:grpSpPr>
+        <a:xfrm>
+          <a:off x="0" y="0"/>
+          <a:ext cx="0" cy="0"/>
+          <a:chOff x="0" y="0"/>
+          <a:chExt cx="0" cy="0"/>
+        </a:xfrm>
+      </p:grpSpPr>
+      <p:sp>
+        <p:nvSpPr>
+          <p:cNvPr id="4" name="Flowchart: Internal Storage 3">
+            <a:extLst>
+              <a:ext uri="{FF2B5EF4-FFF2-40B4-BE49-F238E27FC236}">
+                <a16:creationId xmlns:a16="http://schemas.microsoft.com/office/drawing/2014/main" id="{868A9576-D88A-4EE4-967F-8E370348DE3A}"/>
+              </a:ext>
+            </a:extLst>
+          </p:cNvPr>
+          <p:cNvSpPr/>
+          <p:nvPr/>
+        </p:nvSpPr>
+        <p:spPr>
+          <a:xfrm>
+            <a:off x="8855565" y="730294"/>
+            <a:ext cx="2905079" cy="667607"/>
+          </a:xfrm>
+          <a:custGeom>
+            <a:avLst/>
+            <a:gdLst>
+              <a:gd name="connsiteX0" fmla="*/ 0 w 2905079"/>
+              <a:gd name="connsiteY0" fmla="*/ 0 h 667607"/>
+              <a:gd name="connsiteX1" fmla="*/ 493863 w 2905079"/>
+              <a:gd name="connsiteY1" fmla="*/ 0 h 667607"/>
+              <a:gd name="connsiteX2" fmla="*/ 1016778 w 2905079"/>
+              <a:gd name="connsiteY2" fmla="*/ 0 h 667607"/>
+              <a:gd name="connsiteX3" fmla="*/ 1655895 w 2905079"/>
+              <a:gd name="connsiteY3" fmla="*/ 0 h 667607"/>
+              <a:gd name="connsiteX4" fmla="*/ 2295012 w 2905079"/>
+              <a:gd name="connsiteY4" fmla="*/ 0 h 667607"/>
+              <a:gd name="connsiteX5" fmla="*/ 2905079 w 2905079"/>
+              <a:gd name="connsiteY5" fmla="*/ 0 h 667607"/>
+              <a:gd name="connsiteX6" fmla="*/ 2905079 w 2905079"/>
+              <a:gd name="connsiteY6" fmla="*/ 667607 h 667607"/>
+              <a:gd name="connsiteX7" fmla="*/ 2382165 w 2905079"/>
+              <a:gd name="connsiteY7" fmla="*/ 667607 h 667607"/>
+              <a:gd name="connsiteX8" fmla="*/ 1830200 w 2905079"/>
+              <a:gd name="connsiteY8" fmla="*/ 667607 h 667607"/>
+              <a:gd name="connsiteX9" fmla="*/ 1191082 w 2905079"/>
+              <a:gd name="connsiteY9" fmla="*/ 667607 h 667607"/>
+              <a:gd name="connsiteX10" fmla="*/ 610067 w 2905079"/>
+              <a:gd name="connsiteY10" fmla="*/ 667607 h 667607"/>
+              <a:gd name="connsiteX11" fmla="*/ 0 w 2905079"/>
+              <a:gd name="connsiteY11" fmla="*/ 667607 h 667607"/>
+              <a:gd name="connsiteX12" fmla="*/ 0 w 2905079"/>
+              <a:gd name="connsiteY12" fmla="*/ 0 h 667607"/>
+              <a:gd name="connsiteX0" fmla="*/ 363134 w 2905079"/>
+              <a:gd name="connsiteY0" fmla="*/ 0 h 667607"/>
+              <a:gd name="connsiteX1" fmla="*/ 363134 w 2905079"/>
+              <a:gd name="connsiteY1" fmla="*/ 667607 h 667607"/>
+              <a:gd name="connsiteX2" fmla="*/ 0 w 2905079"/>
+              <a:gd name="connsiteY2" fmla="*/ 83450 h 667607"/>
+              <a:gd name="connsiteX3" fmla="*/ 639117 w 2905079"/>
+              <a:gd name="connsiteY3" fmla="*/ 83450 h 667607"/>
+              <a:gd name="connsiteX4" fmla="*/ 1278235 w 2905079"/>
+              <a:gd name="connsiteY4" fmla="*/ 83450 h 667607"/>
+              <a:gd name="connsiteX5" fmla="*/ 1917352 w 2905079"/>
+              <a:gd name="connsiteY5" fmla="*/ 83450 h 667607"/>
+              <a:gd name="connsiteX6" fmla="*/ 2905079 w 2905079"/>
+              <a:gd name="connsiteY6" fmla="*/ 83450 h 667607"/>
+              <a:gd name="connsiteX0" fmla="*/ 0 w 2905079"/>
+              <a:gd name="connsiteY0" fmla="*/ 0 h 667607"/>
+              <a:gd name="connsiteX1" fmla="*/ 522914 w 2905079"/>
+              <a:gd name="connsiteY1" fmla="*/ 0 h 667607"/>
+              <a:gd name="connsiteX2" fmla="*/ 1074879 w 2905079"/>
+              <a:gd name="connsiteY2" fmla="*/ 0 h 667607"/>
+              <a:gd name="connsiteX3" fmla="*/ 1568743 w 2905079"/>
+              <a:gd name="connsiteY3" fmla="*/ 0 h 667607"/>
+              <a:gd name="connsiteX4" fmla="*/ 2120708 w 2905079"/>
+              <a:gd name="connsiteY4" fmla="*/ 0 h 667607"/>
+              <a:gd name="connsiteX5" fmla="*/ 2905079 w 2905079"/>
+              <a:gd name="connsiteY5" fmla="*/ 0 h 667607"/>
+              <a:gd name="connsiteX6" fmla="*/ 2905079 w 2905079"/>
+              <a:gd name="connsiteY6" fmla="*/ 667607 h 667607"/>
+              <a:gd name="connsiteX7" fmla="*/ 2353114 w 2905079"/>
+              <a:gd name="connsiteY7" fmla="*/ 667607 h 667607"/>
+              <a:gd name="connsiteX8" fmla="*/ 1743047 w 2905079"/>
+              <a:gd name="connsiteY8" fmla="*/ 667607 h 667607"/>
+              <a:gd name="connsiteX9" fmla="*/ 1249184 w 2905079"/>
+              <a:gd name="connsiteY9" fmla="*/ 667607 h 667607"/>
+              <a:gd name="connsiteX10" fmla="*/ 639117 w 2905079"/>
+              <a:gd name="connsiteY10" fmla="*/ 667607 h 667607"/>
+              <a:gd name="connsiteX11" fmla="*/ 0 w 2905079"/>
+              <a:gd name="connsiteY11" fmla="*/ 667607 h 667607"/>
+              <a:gd name="connsiteX12" fmla="*/ 0 w 2905079"/>
+              <a:gd name="connsiteY12" fmla="*/ 0 h 667607"/>
+            </a:gdLst>
+            <a:ahLst/>
+            <a:cxnLst>
+              <a:cxn ang="0">
+                <a:pos x="connsiteX0" y="connsiteY0"/>
+              </a:cxn>
+              <a:cxn ang="0">
+                <a:pos x="connsiteX1" y="connsiteY1"/>
+              </a:cxn>
+              <a:cxn ang="0">
+                <a:pos x="connsiteX2" y="connsiteY2"/>
+              </a:cxn>
+              <a:cxn ang="0">
+                <a:pos x="connsiteX3" y="connsiteY3"/>
+              </a:cxn>
+              <a:cxn ang="0">
+                <a:pos x="connsiteX4" y="connsiteY4"/>
+              </a:cxn>
+              <a:cxn ang="0">
+                <a:pos x="connsiteX5" y="connsiteY5"/>
+              </a:cxn>
+              <a:cxn ang="0">
+                <a:pos x="connsiteX6" y="connsiteY6"/>
+              </a:cxn>
+              <a:cxn ang="0">
+                <a:pos x="connsiteX7" y="connsiteY7"/>
+              </a:cxn>
+              <a:cxn ang="0">
+                <a:pos x="connsiteX8" y="connsiteY8"/>
+              </a:cxn>
+              <a:cxn ang="0">
+                <a:pos x="connsiteX9" y="connsiteY9"/>
+              </a:cxn>
+              <a:cxn ang="0">
+                <a:pos x="connsiteX10" y="connsiteY10"/>
+              </a:cxn>
+              <a:cxn ang="0">
+                <a:pos x="connsiteX11" y="connsiteY11"/>
+              </a:cxn>
+              <a:cxn ang="0">
+                <a:pos x="connsiteX12" y="connsiteY12"/>
+              </a:cxn>
+            </a:cxnLst>
+            <a:rect l="l" t="t" r="r" b="b"/>
+            <a:pathLst>
+              <a:path w="2905079" h="667607" stroke="0" extrusionOk="0">
+                <a:moveTo>
+                  <a:pt x="0" y="0"/>
+                </a:moveTo>
+                <a:cubicBezTo>
+                  <a:pt x="118226" y="11500"/>
+                  <a:pt x="373380" y="-15240"/>
+                  <a:pt x="493863" y="0"/>
+                </a:cubicBezTo>
+                <a:cubicBezTo>
+                  <a:pt x="614346" y="15240"/>
+                  <a:pt x="811238" y="-20617"/>
+                  <a:pt x="1016778" y="0"/>
+                </a:cubicBezTo>
+                <a:cubicBezTo>
+                  <a:pt x="1222319" y="20617"/>
+                  <a:pt x="1345447" y="-12328"/>
+                  <a:pt x="1655895" y="0"/>
+                </a:cubicBezTo>
+                <a:cubicBezTo>
+                  <a:pt x="1966343" y="12328"/>
+                  <a:pt x="2081840" y="-24321"/>
+                  <a:pt x="2295012" y="0"/>
+                </a:cubicBezTo>
+                <a:cubicBezTo>
+                  <a:pt x="2508184" y="24321"/>
+                  <a:pt x="2605684" y="-21900"/>
+                  <a:pt x="2905079" y="0"/>
+                </a:cubicBezTo>
+                <a:cubicBezTo>
+                  <a:pt x="2898051" y="280659"/>
+                  <a:pt x="2917805" y="343081"/>
+                  <a:pt x="2905079" y="667607"/>
+                </a:cubicBezTo>
+                <a:cubicBezTo>
+                  <a:pt x="2732418" y="656851"/>
+                  <a:pt x="2557690" y="677041"/>
+                  <a:pt x="2382165" y="667607"/>
+                </a:cubicBezTo>
+                <a:cubicBezTo>
+                  <a:pt x="2206640" y="658173"/>
+                  <a:pt x="2066715" y="642853"/>
+                  <a:pt x="1830200" y="667607"/>
+                </a:cubicBezTo>
+                <a:cubicBezTo>
+                  <a:pt x="1593686" y="692361"/>
+                  <a:pt x="1416603" y="649875"/>
+                  <a:pt x="1191082" y="667607"/>
+                </a:cubicBezTo>
+                <a:cubicBezTo>
+                  <a:pt x="965561" y="685339"/>
+                  <a:pt x="786867" y="657925"/>
+                  <a:pt x="610067" y="667607"/>
+                </a:cubicBezTo>
+                <a:cubicBezTo>
+                  <a:pt x="433267" y="677289"/>
+                  <a:pt x="154469" y="684108"/>
+                  <a:pt x="0" y="667607"/>
+                </a:cubicBezTo>
+                <a:cubicBezTo>
+                  <a:pt x="-3061" y="408962"/>
+                  <a:pt x="-17514" y="206557"/>
+                  <a:pt x="0" y="0"/>
+                </a:cubicBezTo>
+                <a:close/>
+              </a:path>
+              <a:path w="2905079" h="667607" fill="none" extrusionOk="0">
+                <a:moveTo>
+                  <a:pt x="363134" y="0"/>
+                </a:moveTo>
+                <a:cubicBezTo>
+                  <a:pt x="347109" y="312731"/>
+                  <a:pt x="383475" y="450262"/>
+                  <a:pt x="363134" y="667607"/>
+                </a:cubicBezTo>
+                <a:moveTo>
+                  <a:pt x="0" y="83450"/>
+                </a:moveTo>
+                <a:cubicBezTo>
+                  <a:pt x="171855" y="53943"/>
+                  <a:pt x="336642" y="106567"/>
+                  <a:pt x="639117" y="83450"/>
+                </a:cubicBezTo>
+                <a:cubicBezTo>
+                  <a:pt x="941592" y="60333"/>
+                  <a:pt x="977681" y="79051"/>
+                  <a:pt x="1278235" y="83450"/>
+                </a:cubicBezTo>
+                <a:cubicBezTo>
+                  <a:pt x="1578789" y="87849"/>
+                  <a:pt x="1775704" y="60231"/>
+                  <a:pt x="1917352" y="83450"/>
+                </a:cubicBezTo>
+                <a:cubicBezTo>
+                  <a:pt x="2059000" y="106669"/>
+                  <a:pt x="2535691" y="105850"/>
+                  <a:pt x="2905079" y="83450"/>
+                </a:cubicBezTo>
+              </a:path>
+              <a:path w="2905079" h="667607" fill="none" extrusionOk="0">
+                <a:moveTo>
+                  <a:pt x="0" y="0"/>
+                </a:moveTo>
+                <a:cubicBezTo>
+                  <a:pt x="200503" y="-15957"/>
+                  <a:pt x="366500" y="-2575"/>
+                  <a:pt x="522914" y="0"/>
+                </a:cubicBezTo>
+                <a:cubicBezTo>
+                  <a:pt x="679328" y="2575"/>
+                  <a:pt x="945141" y="-25888"/>
+                  <a:pt x="1074879" y="0"/>
+                </a:cubicBezTo>
+                <a:cubicBezTo>
+                  <a:pt x="1204617" y="25888"/>
+                  <a:pt x="1393906" y="3209"/>
+                  <a:pt x="1568743" y="0"/>
+                </a:cubicBezTo>
+                <a:cubicBezTo>
+                  <a:pt x="1743580" y="-3209"/>
+                  <a:pt x="1991802" y="-19790"/>
+                  <a:pt x="2120708" y="0"/>
+                </a:cubicBezTo>
+                <a:cubicBezTo>
+                  <a:pt x="2249615" y="19790"/>
+                  <a:pt x="2720139" y="15068"/>
+                  <a:pt x="2905079" y="0"/>
+                </a:cubicBezTo>
+                <a:cubicBezTo>
+                  <a:pt x="2902328" y="143298"/>
+                  <a:pt x="2883708" y="482365"/>
+                  <a:pt x="2905079" y="667607"/>
+                </a:cubicBezTo>
+                <a:cubicBezTo>
+                  <a:pt x="2652065" y="667980"/>
+                  <a:pt x="2500195" y="645190"/>
+                  <a:pt x="2353114" y="667607"/>
+                </a:cubicBezTo>
+                <a:cubicBezTo>
+                  <a:pt x="2206034" y="690024"/>
+                  <a:pt x="1981669" y="662650"/>
+                  <a:pt x="1743047" y="667607"/>
+                </a:cubicBezTo>
+                <a:cubicBezTo>
+                  <a:pt x="1504425" y="672564"/>
+                  <a:pt x="1424815" y="649773"/>
+                  <a:pt x="1249184" y="667607"/>
+                </a:cubicBezTo>
+                <a:cubicBezTo>
+                  <a:pt x="1073553" y="685441"/>
+                  <a:pt x="915210" y="662297"/>
+                  <a:pt x="639117" y="667607"/>
+                </a:cubicBezTo>
+                <a:cubicBezTo>
+                  <a:pt x="363024" y="672917"/>
+                  <a:pt x="168521" y="645266"/>
+                  <a:pt x="0" y="667607"/>
+                </a:cubicBezTo>
+                <a:cubicBezTo>
+                  <a:pt x="-19604" y="399008"/>
+                  <a:pt x="-13850" y="248561"/>
+                  <a:pt x="0" y="0"/>
+                </a:cubicBezTo>
+                <a:close/>
+              </a:path>
+              <a:path w="2905079" h="667607" fill="none" stroke="0" extrusionOk="0">
+                <a:moveTo>
+                  <a:pt x="363134" y="0"/>
+                </a:moveTo>
+                <a:cubicBezTo>
+                  <a:pt x="345902" y="303592"/>
+                  <a:pt x="383037" y="337706"/>
+                  <a:pt x="363134" y="667607"/>
+                </a:cubicBezTo>
+                <a:moveTo>
+                  <a:pt x="0" y="83450"/>
+                </a:moveTo>
+                <a:cubicBezTo>
+                  <a:pt x="245963" y="66151"/>
+                  <a:pt x="392796" y="90988"/>
+                  <a:pt x="493863" y="83450"/>
+                </a:cubicBezTo>
+                <a:cubicBezTo>
+                  <a:pt x="594930" y="75912"/>
+                  <a:pt x="855768" y="70099"/>
+                  <a:pt x="1016778" y="83450"/>
+                </a:cubicBezTo>
+                <a:cubicBezTo>
+                  <a:pt x="1177789" y="96801"/>
+                  <a:pt x="1370147" y="95810"/>
+                  <a:pt x="1626844" y="83450"/>
+                </a:cubicBezTo>
+                <a:cubicBezTo>
+                  <a:pt x="1883541" y="71090"/>
+                  <a:pt x="1987249" y="58726"/>
+                  <a:pt x="2265962" y="83450"/>
+                </a:cubicBezTo>
+                <a:cubicBezTo>
+                  <a:pt x="2544675" y="108174"/>
+                  <a:pt x="2598392" y="67184"/>
+                  <a:pt x="2905079" y="83450"/>
+                </a:cubicBezTo>
+              </a:path>
+              <a:path w="2905079" h="667607" fill="none" stroke="0" extrusionOk="0">
+                <a:moveTo>
+                  <a:pt x="0" y="0"/>
+                </a:moveTo>
+                <a:cubicBezTo>
+                  <a:pt x="205231" y="14140"/>
+                  <a:pt x="361869" y="-26904"/>
+                  <a:pt x="551965" y="0"/>
+                </a:cubicBezTo>
+                <a:cubicBezTo>
+                  <a:pt x="742061" y="26904"/>
+                  <a:pt x="858807" y="-6490"/>
+                  <a:pt x="1074879" y="0"/>
+                </a:cubicBezTo>
+                <a:cubicBezTo>
+                  <a:pt x="1290951" y="6490"/>
+                  <a:pt x="1383689" y="-3029"/>
+                  <a:pt x="1684946" y="0"/>
+                </a:cubicBezTo>
+                <a:cubicBezTo>
+                  <a:pt x="1986203" y="3029"/>
+                  <a:pt x="2185380" y="31441"/>
+                  <a:pt x="2324063" y="0"/>
+                </a:cubicBezTo>
+                <a:cubicBezTo>
+                  <a:pt x="2462746" y="-31441"/>
+                  <a:pt x="2715162" y="22897"/>
+                  <a:pt x="2905079" y="0"/>
+                </a:cubicBezTo>
+                <a:cubicBezTo>
+                  <a:pt x="2890221" y="179269"/>
+                  <a:pt x="2879448" y="399765"/>
+                  <a:pt x="2905079" y="667607"/>
+                </a:cubicBezTo>
+                <a:cubicBezTo>
+                  <a:pt x="2755987" y="678691"/>
+                  <a:pt x="2655179" y="679761"/>
+                  <a:pt x="2411216" y="667607"/>
+                </a:cubicBezTo>
+                <a:cubicBezTo>
+                  <a:pt x="2167253" y="655453"/>
+                  <a:pt x="2010248" y="663814"/>
+                  <a:pt x="1801149" y="667607"/>
+                </a:cubicBezTo>
+                <a:cubicBezTo>
+                  <a:pt x="1592050" y="671400"/>
+                  <a:pt x="1456954" y="640969"/>
+                  <a:pt x="1220133" y="667607"/>
+                </a:cubicBezTo>
+                <a:cubicBezTo>
+                  <a:pt x="983312" y="694245"/>
+                  <a:pt x="763633" y="663995"/>
+                  <a:pt x="581016" y="667607"/>
+                </a:cubicBezTo>
+                <a:cubicBezTo>
+                  <a:pt x="398399" y="671219"/>
+                  <a:pt x="251890" y="687870"/>
+                  <a:pt x="0" y="667607"/>
+                </a:cubicBezTo>
+                <a:cubicBezTo>
+                  <a:pt x="7388" y="517351"/>
+                  <a:pt x="29647" y="179739"/>
+                  <a:pt x="0" y="0"/>
+                </a:cubicBezTo>
+                <a:close/>
+              </a:path>
+            </a:pathLst>
+          </a:custGeom>
+          <a:solidFill>
+            <a:schemeClr val="accent5">
+              <a:lumMod val="20000"/>
+              <a:lumOff val="80000"/>
+            </a:schemeClr>
+          </a:solidFill>
+          <a:ln w="76200" cap="flat" cmpd="sng" algn="ctr">
+            <a:solidFill>
+              <a:schemeClr val="dk1"/>
+            </a:solidFill>
+            <a:prstDash val="solid"/>
+            <a:round/>
+            <a:headEnd type="none" w="med" len="med"/>
+            <a:tailEnd type="none" w="med" len="med"/>
+            <a:extLst>
+              <a:ext uri="{C807C97D-BFC1-408E-A445-0C87EB9F89A2}">
+                <ask:lineSketchStyleProps xmlns:ask="http://schemas.microsoft.com/office/drawing/2018/sketchyshapes" sd="760243741">
+                  <a:prstGeom prst="flowChartInternalStorage">
+                    <a:avLst/>
+                  </a:prstGeom>
+                  <ask:type>
+                    <ask:lineSketchFreehand/>
+                  </ask:type>
+                </ask:lineSketchStyleProps>
+              </a:ext>
+            </a:extLst>
+          </a:ln>
+        </p:spPr>
+        <p:style>
+          <a:lnRef idx="0">
+            <a:scrgbClr r="0" g="0" b="0"/>
+          </a:lnRef>
+          <a:fillRef idx="0">
+            <a:scrgbClr r="0" g="0" b="0"/>
+          </a:fillRef>
+          <a:effectRef idx="0">
+            <a:scrgbClr r="0" g="0" b="0"/>
+          </a:effectRef>
+          <a:fontRef idx="minor">
+            <a:schemeClr val="dk1"/>
+          </a:fontRef>
+        </p:style>
+        <p:txBody>
+          <a:bodyPr rtlCol="0" anchor="ctr"/>
+          <a:lstStyle/>
+          <a:p>
+            <a:pPr algn="ctr"/>
+            <a:endParaRPr lang="en-US">
+              <a:solidFill>
+                <a:schemeClr val="dk1"/>
+              </a:solidFill>
+            </a:endParaRPr>
+          </a:p>
+        </p:txBody>
+      </p:sp>
+      <p:sp>
+        <p:nvSpPr>
+          <p:cNvPr id="6" name="Flowchart: Internal Storage 5">
+            <a:extLst>
+              <a:ext uri="{FF2B5EF4-FFF2-40B4-BE49-F238E27FC236}">
+                <a16:creationId xmlns:a16="http://schemas.microsoft.com/office/drawing/2014/main" id="{11B7F9F7-CEB6-43F7-BD9F-9C0F842482DF}"/>
+              </a:ext>
+            </a:extLst>
+          </p:cNvPr>
+          <p:cNvSpPr/>
+          <p:nvPr/>
+        </p:nvSpPr>
+        <p:spPr>
+          <a:xfrm>
+            <a:off x="8855565" y="4616701"/>
+            <a:ext cx="2717410" cy="1323107"/>
+          </a:xfrm>
+          <a:custGeom>
+            <a:avLst/>
+            <a:gdLst>
+              <a:gd name="connsiteX0" fmla="*/ 0 w 2717410"/>
+              <a:gd name="connsiteY0" fmla="*/ 0 h 1323107"/>
+              <a:gd name="connsiteX1" fmla="*/ 652178 w 2717410"/>
+              <a:gd name="connsiteY1" fmla="*/ 0 h 1323107"/>
+              <a:gd name="connsiteX2" fmla="*/ 1250009 w 2717410"/>
+              <a:gd name="connsiteY2" fmla="*/ 0 h 1323107"/>
+              <a:gd name="connsiteX3" fmla="*/ 1956535 w 2717410"/>
+              <a:gd name="connsiteY3" fmla="*/ 0 h 1323107"/>
+              <a:gd name="connsiteX4" fmla="*/ 2717410 w 2717410"/>
+              <a:gd name="connsiteY4" fmla="*/ 0 h 1323107"/>
+              <a:gd name="connsiteX5" fmla="*/ 2717410 w 2717410"/>
+              <a:gd name="connsiteY5" fmla="*/ 648322 h 1323107"/>
+              <a:gd name="connsiteX6" fmla="*/ 2717410 w 2717410"/>
+              <a:gd name="connsiteY6" fmla="*/ 1323107 h 1323107"/>
+              <a:gd name="connsiteX7" fmla="*/ 2092406 w 2717410"/>
+              <a:gd name="connsiteY7" fmla="*/ 1323107 h 1323107"/>
+              <a:gd name="connsiteX8" fmla="*/ 1413053 w 2717410"/>
+              <a:gd name="connsiteY8" fmla="*/ 1323107 h 1323107"/>
+              <a:gd name="connsiteX9" fmla="*/ 760875 w 2717410"/>
+              <a:gd name="connsiteY9" fmla="*/ 1323107 h 1323107"/>
+              <a:gd name="connsiteX10" fmla="*/ 0 w 2717410"/>
+              <a:gd name="connsiteY10" fmla="*/ 1323107 h 1323107"/>
+              <a:gd name="connsiteX11" fmla="*/ 0 w 2717410"/>
+              <a:gd name="connsiteY11" fmla="*/ 688016 h 1323107"/>
+              <a:gd name="connsiteX12" fmla="*/ 0 w 2717410"/>
+              <a:gd name="connsiteY12" fmla="*/ 0 h 1323107"/>
+              <a:gd name="connsiteX0" fmla="*/ 339676 w 2717410"/>
+              <a:gd name="connsiteY0" fmla="*/ 0 h 1323107"/>
+              <a:gd name="connsiteX1" fmla="*/ 339676 w 2717410"/>
+              <a:gd name="connsiteY1" fmla="*/ 635091 h 1323107"/>
+              <a:gd name="connsiteX2" fmla="*/ 339676 w 2717410"/>
+              <a:gd name="connsiteY2" fmla="*/ 1323107 h 1323107"/>
+              <a:gd name="connsiteX3" fmla="*/ 0 w 2717410"/>
+              <a:gd name="connsiteY3" fmla="*/ 165388 h 1323107"/>
+              <a:gd name="connsiteX4" fmla="*/ 679353 w 2717410"/>
+              <a:gd name="connsiteY4" fmla="*/ 165388 h 1323107"/>
+              <a:gd name="connsiteX5" fmla="*/ 1413053 w 2717410"/>
+              <a:gd name="connsiteY5" fmla="*/ 165388 h 1323107"/>
+              <a:gd name="connsiteX6" fmla="*/ 2119580 w 2717410"/>
+              <a:gd name="connsiteY6" fmla="*/ 165388 h 1323107"/>
+              <a:gd name="connsiteX7" fmla="*/ 2717410 w 2717410"/>
+              <a:gd name="connsiteY7" fmla="*/ 165388 h 1323107"/>
+              <a:gd name="connsiteX0" fmla="*/ 0 w 2717410"/>
+              <a:gd name="connsiteY0" fmla="*/ 0 h 1323107"/>
+              <a:gd name="connsiteX1" fmla="*/ 652178 w 2717410"/>
+              <a:gd name="connsiteY1" fmla="*/ 0 h 1323107"/>
+              <a:gd name="connsiteX2" fmla="*/ 1277183 w 2717410"/>
+              <a:gd name="connsiteY2" fmla="*/ 0 h 1323107"/>
+              <a:gd name="connsiteX3" fmla="*/ 1983709 w 2717410"/>
+              <a:gd name="connsiteY3" fmla="*/ 0 h 1323107"/>
+              <a:gd name="connsiteX4" fmla="*/ 2717410 w 2717410"/>
+              <a:gd name="connsiteY4" fmla="*/ 0 h 1323107"/>
+              <a:gd name="connsiteX5" fmla="*/ 2717410 w 2717410"/>
+              <a:gd name="connsiteY5" fmla="*/ 648322 h 1323107"/>
+              <a:gd name="connsiteX6" fmla="*/ 2717410 w 2717410"/>
+              <a:gd name="connsiteY6" fmla="*/ 1323107 h 1323107"/>
+              <a:gd name="connsiteX7" fmla="*/ 2092406 w 2717410"/>
+              <a:gd name="connsiteY7" fmla="*/ 1323107 h 1323107"/>
+              <a:gd name="connsiteX8" fmla="*/ 1358705 w 2717410"/>
+              <a:gd name="connsiteY8" fmla="*/ 1323107 h 1323107"/>
+              <a:gd name="connsiteX9" fmla="*/ 625004 w 2717410"/>
+              <a:gd name="connsiteY9" fmla="*/ 1323107 h 1323107"/>
+              <a:gd name="connsiteX10" fmla="*/ 0 w 2717410"/>
+              <a:gd name="connsiteY10" fmla="*/ 1323107 h 1323107"/>
+              <a:gd name="connsiteX11" fmla="*/ 0 w 2717410"/>
+              <a:gd name="connsiteY11" fmla="*/ 648322 h 1323107"/>
+              <a:gd name="connsiteX12" fmla="*/ 0 w 2717410"/>
+              <a:gd name="connsiteY12" fmla="*/ 0 h 1323107"/>
+            </a:gdLst>
+            <a:ahLst/>
+            <a:cxnLst>
+              <a:cxn ang="0">
+                <a:pos x="connsiteX0" y="connsiteY0"/>
+              </a:cxn>
+              <a:cxn ang="0">
+                <a:pos x="connsiteX1" y="connsiteY1"/>
+              </a:cxn>
+              <a:cxn ang="0">
+                <a:pos x="connsiteX2" y="connsiteY2"/>
+              </a:cxn>
+              <a:cxn ang="0">
+                <a:pos x="connsiteX3" y="connsiteY3"/>
+              </a:cxn>
+              <a:cxn ang="0">
+                <a:pos x="connsiteX4" y="connsiteY4"/>
+              </a:cxn>
+              <a:cxn ang="0">
+                <a:pos x="connsiteX5" y="connsiteY5"/>
+              </a:cxn>
+              <a:cxn ang="0">
+                <a:pos x="connsiteX6" y="connsiteY6"/>
+              </a:cxn>
+              <a:cxn ang="0">
+                <a:pos x="connsiteX7" y="connsiteY7"/>
+              </a:cxn>
+              <a:cxn ang="0">
+                <a:pos x="connsiteX8" y="connsiteY8"/>
+              </a:cxn>
+              <a:cxn ang="0">
+                <a:pos x="connsiteX9" y="connsiteY9"/>
+              </a:cxn>
+              <a:cxn ang="0">
+                <a:pos x="connsiteX10" y="connsiteY10"/>
+              </a:cxn>
+              <a:cxn ang="0">
+                <a:pos x="connsiteX11" y="connsiteY11"/>
+              </a:cxn>
+              <a:cxn ang="0">
+                <a:pos x="connsiteX12" y="connsiteY12"/>
+              </a:cxn>
+            </a:cxnLst>
+            <a:rect l="l" t="t" r="r" b="b"/>
+            <a:pathLst>
+              <a:path w="2717410" h="1323107" stroke="0" extrusionOk="0">
+                <a:moveTo>
+                  <a:pt x="0" y="0"/>
+                </a:moveTo>
+                <a:cubicBezTo>
+                  <a:pt x="207495" y="-2802"/>
+                  <a:pt x="478226" y="-30601"/>
+                  <a:pt x="652178" y="0"/>
+                </a:cubicBezTo>
+                <a:cubicBezTo>
+                  <a:pt x="826130" y="30601"/>
+                  <a:pt x="983737" y="-15544"/>
+                  <a:pt x="1250009" y="0"/>
+                </a:cubicBezTo>
+                <a:cubicBezTo>
+                  <a:pt x="1516281" y="15544"/>
+                  <a:pt x="1616270" y="1675"/>
+                  <a:pt x="1956535" y="0"/>
+                </a:cubicBezTo>
+                <a:cubicBezTo>
+                  <a:pt x="2296800" y="-1675"/>
+                  <a:pt x="2488943" y="-8228"/>
+                  <a:pt x="2717410" y="0"/>
+                </a:cubicBezTo>
+                <a:cubicBezTo>
+                  <a:pt x="2710299" y="188309"/>
+                  <a:pt x="2703100" y="448184"/>
+                  <a:pt x="2717410" y="648322"/>
+                </a:cubicBezTo>
+                <a:cubicBezTo>
+                  <a:pt x="2731720" y="848460"/>
+                  <a:pt x="2713042" y="1106120"/>
+                  <a:pt x="2717410" y="1323107"/>
+                </a:cubicBezTo>
+                <a:cubicBezTo>
+                  <a:pt x="2591297" y="1338420"/>
+                  <a:pt x="2392384" y="1300070"/>
+                  <a:pt x="2092406" y="1323107"/>
+                </a:cubicBezTo>
+                <a:cubicBezTo>
+                  <a:pt x="1792428" y="1346144"/>
+                  <a:pt x="1630830" y="1321578"/>
+                  <a:pt x="1413053" y="1323107"/>
+                </a:cubicBezTo>
+                <a:cubicBezTo>
+                  <a:pt x="1195276" y="1324636"/>
+                  <a:pt x="894618" y="1320410"/>
+                  <a:pt x="760875" y="1323107"/>
+                </a:cubicBezTo>
+                <a:cubicBezTo>
+                  <a:pt x="627132" y="1325804"/>
+                  <a:pt x="164869" y="1304642"/>
+                  <a:pt x="0" y="1323107"/>
+                </a:cubicBezTo>
+                <a:cubicBezTo>
+                  <a:pt x="-7087" y="1092899"/>
+                  <a:pt x="-12859" y="844743"/>
+                  <a:pt x="0" y="688016"/>
+                </a:cubicBezTo>
+                <a:cubicBezTo>
+                  <a:pt x="12859" y="531289"/>
+                  <a:pt x="-7788" y="250731"/>
+                  <a:pt x="0" y="0"/>
+                </a:cubicBezTo>
+                <a:close/>
+              </a:path>
+              <a:path w="2717410" h="1323107" fill="none" extrusionOk="0">
+                <a:moveTo>
+                  <a:pt x="339676" y="0"/>
+                </a:moveTo>
+                <a:cubicBezTo>
+                  <a:pt x="320426" y="142032"/>
+                  <a:pt x="365292" y="349447"/>
+                  <a:pt x="339676" y="635091"/>
+                </a:cubicBezTo>
+                <a:cubicBezTo>
+                  <a:pt x="314060" y="920735"/>
+                  <a:pt x="330301" y="1139123"/>
+                  <a:pt x="339676" y="1323107"/>
+                </a:cubicBezTo>
+                <a:moveTo>
+                  <a:pt x="0" y="165388"/>
+                </a:moveTo>
+                <a:cubicBezTo>
+                  <a:pt x="228214" y="142881"/>
+                  <a:pt x="340011" y="157663"/>
+                  <a:pt x="679353" y="165388"/>
+                </a:cubicBezTo>
+                <a:cubicBezTo>
+                  <a:pt x="1018695" y="173113"/>
+                  <a:pt x="1250550" y="178797"/>
+                  <a:pt x="1413053" y="165388"/>
+                </a:cubicBezTo>
+                <a:cubicBezTo>
+                  <a:pt x="1575556" y="151979"/>
+                  <a:pt x="1889524" y="198170"/>
+                  <a:pt x="2119580" y="165388"/>
+                </a:cubicBezTo>
+                <a:cubicBezTo>
+                  <a:pt x="2349636" y="132606"/>
+                  <a:pt x="2496733" y="146678"/>
+                  <a:pt x="2717410" y="165388"/>
+                </a:cubicBezTo>
+              </a:path>
+              <a:path w="2717410" h="1323107" fill="none" extrusionOk="0">
+                <a:moveTo>
+                  <a:pt x="0" y="0"/>
+                </a:moveTo>
+                <a:cubicBezTo>
+                  <a:pt x="203177" y="-26431"/>
+                  <a:pt x="368826" y="12966"/>
+                  <a:pt x="652178" y="0"/>
+                </a:cubicBezTo>
+                <a:cubicBezTo>
+                  <a:pt x="935530" y="-12966"/>
+                  <a:pt x="1040240" y="-20385"/>
+                  <a:pt x="1277183" y="0"/>
+                </a:cubicBezTo>
+                <a:cubicBezTo>
+                  <a:pt x="1514127" y="20385"/>
+                  <a:pt x="1776858" y="17678"/>
+                  <a:pt x="1983709" y="0"/>
+                </a:cubicBezTo>
+                <a:cubicBezTo>
+                  <a:pt x="2190560" y="-17678"/>
+                  <a:pt x="2464703" y="-7586"/>
+                  <a:pt x="2717410" y="0"/>
+                </a:cubicBezTo>
+                <a:cubicBezTo>
+                  <a:pt x="2698839" y="291301"/>
+                  <a:pt x="2715135" y="482057"/>
+                  <a:pt x="2717410" y="648322"/>
+                </a:cubicBezTo>
+                <a:cubicBezTo>
+                  <a:pt x="2719685" y="814587"/>
+                  <a:pt x="2704597" y="1011523"/>
+                  <a:pt x="2717410" y="1323107"/>
+                </a:cubicBezTo>
+                <a:cubicBezTo>
+                  <a:pt x="2569982" y="1340303"/>
+                  <a:pt x="2227582" y="1293588"/>
+                  <a:pt x="2092406" y="1323107"/>
+                </a:cubicBezTo>
+                <a:cubicBezTo>
+                  <a:pt x="1957230" y="1352626"/>
+                  <a:pt x="1581809" y="1341614"/>
+                  <a:pt x="1358705" y="1323107"/>
+                </a:cubicBezTo>
+                <a:cubicBezTo>
+                  <a:pt x="1135601" y="1304600"/>
+                  <a:pt x="961146" y="1324300"/>
+                  <a:pt x="625004" y="1323107"/>
+                </a:cubicBezTo>
+                <a:cubicBezTo>
+                  <a:pt x="288862" y="1321914"/>
+                  <a:pt x="304945" y="1315333"/>
+                  <a:pt x="0" y="1323107"/>
+                </a:cubicBezTo>
+                <a:cubicBezTo>
+                  <a:pt x="-11519" y="1152183"/>
+                  <a:pt x="12432" y="911823"/>
+                  <a:pt x="0" y="648322"/>
+                </a:cubicBezTo>
+                <a:cubicBezTo>
+                  <a:pt x="-12432" y="384821"/>
+                  <a:pt x="19990" y="215106"/>
+                  <a:pt x="0" y="0"/>
+                </a:cubicBezTo>
+                <a:close/>
+              </a:path>
+              <a:path w="2717410" h="1323107" fill="none" stroke="0" extrusionOk="0">
+                <a:moveTo>
+                  <a:pt x="339676" y="0"/>
+                </a:moveTo>
+                <a:cubicBezTo>
+                  <a:pt x="318542" y="199787"/>
+                  <a:pt x="322614" y="381139"/>
+                  <a:pt x="339676" y="661554"/>
+                </a:cubicBezTo>
+                <a:cubicBezTo>
+                  <a:pt x="356738" y="941969"/>
+                  <a:pt x="346607" y="1091189"/>
+                  <a:pt x="339676" y="1323107"/>
+                </a:cubicBezTo>
+                <a:moveTo>
+                  <a:pt x="0" y="165388"/>
+                </a:moveTo>
+                <a:cubicBezTo>
+                  <a:pt x="345373" y="193099"/>
+                  <a:pt x="436832" y="165110"/>
+                  <a:pt x="706527" y="165388"/>
+                </a:cubicBezTo>
+                <a:cubicBezTo>
+                  <a:pt x="976222" y="165666"/>
+                  <a:pt x="1101361" y="144151"/>
+                  <a:pt x="1331531" y="165388"/>
+                </a:cubicBezTo>
+                <a:cubicBezTo>
+                  <a:pt x="1561701" y="186625"/>
+                  <a:pt x="1645824" y="170456"/>
+                  <a:pt x="1929361" y="165388"/>
+                </a:cubicBezTo>
+                <a:cubicBezTo>
+                  <a:pt x="2212898" y="160321"/>
+                  <a:pt x="2454476" y="191239"/>
+                  <a:pt x="2717410" y="165388"/>
+                </a:cubicBezTo>
+              </a:path>
+              <a:path w="2717410" h="1323107" fill="none" stroke="0" extrusionOk="0">
+                <a:moveTo>
+                  <a:pt x="0" y="0"/>
+                </a:moveTo>
+                <a:cubicBezTo>
+                  <a:pt x="183079" y="-19552"/>
+                  <a:pt x="370465" y="-11607"/>
+                  <a:pt x="597830" y="0"/>
+                </a:cubicBezTo>
+                <a:cubicBezTo>
+                  <a:pt x="825195" y="11607"/>
+                  <a:pt x="1177660" y="-3625"/>
+                  <a:pt x="1331531" y="0"/>
+                </a:cubicBezTo>
+                <a:cubicBezTo>
+                  <a:pt x="1485402" y="3625"/>
+                  <a:pt x="1837786" y="17032"/>
+                  <a:pt x="2065232" y="0"/>
+                </a:cubicBezTo>
+                <a:cubicBezTo>
+                  <a:pt x="2292678" y="-17032"/>
+                  <a:pt x="2529065" y="-1971"/>
+                  <a:pt x="2717410" y="0"/>
+                </a:cubicBezTo>
+                <a:cubicBezTo>
+                  <a:pt x="2704954" y="253210"/>
+                  <a:pt x="2703470" y="353979"/>
+                  <a:pt x="2717410" y="688016"/>
+                </a:cubicBezTo>
+                <a:cubicBezTo>
+                  <a:pt x="2731350" y="1022053"/>
+                  <a:pt x="2734119" y="1074061"/>
+                  <a:pt x="2717410" y="1323107"/>
+                </a:cubicBezTo>
+                <a:cubicBezTo>
+                  <a:pt x="2403944" y="1298797"/>
+                  <a:pt x="2323759" y="1347972"/>
+                  <a:pt x="2038058" y="1323107"/>
+                </a:cubicBezTo>
+                <a:cubicBezTo>
+                  <a:pt x="1752357" y="1298242"/>
+                  <a:pt x="1609110" y="1319265"/>
+                  <a:pt x="1385879" y="1323107"/>
+                </a:cubicBezTo>
+                <a:cubicBezTo>
+                  <a:pt x="1162648" y="1326949"/>
+                  <a:pt x="810946" y="1306033"/>
+                  <a:pt x="652178" y="1323107"/>
+                </a:cubicBezTo>
+                <a:cubicBezTo>
+                  <a:pt x="493410" y="1340181"/>
+                  <a:pt x="258861" y="1340244"/>
+                  <a:pt x="0" y="1323107"/>
+                </a:cubicBezTo>
+                <a:cubicBezTo>
+                  <a:pt x="-9942" y="1132416"/>
+                  <a:pt x="-23657" y="813173"/>
+                  <a:pt x="0" y="648322"/>
+                </a:cubicBezTo>
+                <a:cubicBezTo>
+                  <a:pt x="23657" y="483472"/>
+                  <a:pt x="-23027" y="137598"/>
+                  <a:pt x="0" y="0"/>
+                </a:cubicBezTo>
+                <a:close/>
+              </a:path>
+            </a:pathLst>
+          </a:custGeom>
+          <a:solidFill>
+            <a:schemeClr val="bg1">
+              <a:lumMod val="85000"/>
+            </a:schemeClr>
+          </a:solidFill>
+          <a:ln w="76200" cap="flat" cmpd="sng" algn="ctr">
+            <a:solidFill>
+              <a:schemeClr val="dk1"/>
+            </a:solidFill>
+            <a:prstDash val="solid"/>
+            <a:round/>
+            <a:headEnd type="none" w="med" len="med"/>
+            <a:tailEnd type="none" w="med" len="med"/>
+            <a:extLst>
+              <a:ext uri="{C807C97D-BFC1-408E-A445-0C87EB9F89A2}">
+                <ask:lineSketchStyleProps xmlns:ask="http://schemas.microsoft.com/office/drawing/2018/sketchyshapes" sd="3139699276">
+                  <a:prstGeom prst="flowChartInternalStorage">
+                    <a:avLst/>
+                  </a:prstGeom>
+                  <ask:type>
+                    <ask:lineSketchFreehand/>
+                  </ask:type>
+                </ask:lineSketchStyleProps>
+              </a:ext>
+            </a:extLst>
+          </a:ln>
+        </p:spPr>
+        <p:style>
+          <a:lnRef idx="0">
+            <a:scrgbClr r="0" g="0" b="0"/>
+          </a:lnRef>
+          <a:fillRef idx="0">
+            <a:scrgbClr r="0" g="0" b="0"/>
+          </a:fillRef>
+          <a:effectRef idx="0">
+            <a:scrgbClr r="0" g="0" b="0"/>
+          </a:effectRef>
+          <a:fontRef idx="minor">
+            <a:schemeClr val="dk1"/>
+          </a:fontRef>
+        </p:style>
+        <p:txBody>
+          <a:bodyPr rtlCol="0" anchor="ctr"/>
+          <a:lstStyle/>
+          <a:p>
+            <a:pPr algn="ctr"/>
+            <a:endParaRPr lang="en-US">
+              <a:solidFill>
+                <a:schemeClr val="dk1"/>
+              </a:solidFill>
+            </a:endParaRPr>
+          </a:p>
+        </p:txBody>
+      </p:sp>
+      <p:sp>
+        <p:nvSpPr>
+          <p:cNvPr id="7" name="Cylinder 6">
+            <a:extLst>
+              <a:ext uri="{FF2B5EF4-FFF2-40B4-BE49-F238E27FC236}">
+                <a16:creationId xmlns:a16="http://schemas.microsoft.com/office/drawing/2014/main" id="{F5A1BA5E-AD3D-4345-B185-EEC0FEEC8E92}"/>
+              </a:ext>
+            </a:extLst>
+          </p:cNvPr>
+          <p:cNvSpPr/>
+          <p:nvPr/>
+        </p:nvSpPr>
+        <p:spPr>
+          <a:xfrm rot="5400000">
+            <a:off x="2010288" y="2418227"/>
+            <a:ext cx="810072" cy="1619580"/>
+          </a:xfrm>
+          <a:custGeom>
+            <a:avLst/>
+            <a:gdLst>
+              <a:gd name="connsiteX0" fmla="*/ 0 w 810072"/>
+              <a:gd name="connsiteY0" fmla="*/ 230133 h 1619580"/>
+              <a:gd name="connsiteX1" fmla="*/ 405036 w 810072"/>
+              <a:gd name="connsiteY1" fmla="*/ 460266 h 1619580"/>
+              <a:gd name="connsiteX2" fmla="*/ 810072 w 810072"/>
+              <a:gd name="connsiteY2" fmla="*/ 230133 h 1619580"/>
+              <a:gd name="connsiteX3" fmla="*/ 810072 w 810072"/>
+              <a:gd name="connsiteY3" fmla="*/ 786604 h 1619580"/>
+              <a:gd name="connsiteX4" fmla="*/ 810072 w 810072"/>
+              <a:gd name="connsiteY4" fmla="*/ 1389447 h 1619580"/>
+              <a:gd name="connsiteX5" fmla="*/ 405036 w 810072"/>
+              <a:gd name="connsiteY5" fmla="*/ 1619580 h 1619580"/>
+              <a:gd name="connsiteX6" fmla="*/ 0 w 810072"/>
+              <a:gd name="connsiteY6" fmla="*/ 1389447 h 1619580"/>
+              <a:gd name="connsiteX7" fmla="*/ 0 w 810072"/>
+              <a:gd name="connsiteY7" fmla="*/ 821383 h 1619580"/>
+              <a:gd name="connsiteX8" fmla="*/ 0 w 810072"/>
+              <a:gd name="connsiteY8" fmla="*/ 230133 h 1619580"/>
+              <a:gd name="connsiteX0" fmla="*/ 0 w 810072"/>
+              <a:gd name="connsiteY0" fmla="*/ 230133 h 1619580"/>
+              <a:gd name="connsiteX1" fmla="*/ 405036 w 810072"/>
+              <a:gd name="connsiteY1" fmla="*/ 0 h 1619580"/>
+              <a:gd name="connsiteX2" fmla="*/ 810072 w 810072"/>
+              <a:gd name="connsiteY2" fmla="*/ 230133 h 1619580"/>
+              <a:gd name="connsiteX3" fmla="*/ 405036 w 810072"/>
+              <a:gd name="connsiteY3" fmla="*/ 460266 h 1619580"/>
+              <a:gd name="connsiteX4" fmla="*/ 0 w 810072"/>
+              <a:gd name="connsiteY4" fmla="*/ 230133 h 1619580"/>
+              <a:gd name="connsiteX0" fmla="*/ 810072 w 810072"/>
+              <a:gd name="connsiteY0" fmla="*/ 230133 h 1619580"/>
+              <a:gd name="connsiteX1" fmla="*/ 405036 w 810072"/>
+              <a:gd name="connsiteY1" fmla="*/ 460266 h 1619580"/>
+              <a:gd name="connsiteX2" fmla="*/ 0 w 810072"/>
+              <a:gd name="connsiteY2" fmla="*/ 230133 h 1619580"/>
+              <a:gd name="connsiteX3" fmla="*/ 405036 w 810072"/>
+              <a:gd name="connsiteY3" fmla="*/ 0 h 1619580"/>
+              <a:gd name="connsiteX4" fmla="*/ 810072 w 810072"/>
+              <a:gd name="connsiteY4" fmla="*/ 230133 h 1619580"/>
+              <a:gd name="connsiteX5" fmla="*/ 810072 w 810072"/>
+              <a:gd name="connsiteY5" fmla="*/ 821383 h 1619580"/>
+              <a:gd name="connsiteX6" fmla="*/ 810072 w 810072"/>
+              <a:gd name="connsiteY6" fmla="*/ 1389447 h 1619580"/>
+              <a:gd name="connsiteX7" fmla="*/ 405036 w 810072"/>
+              <a:gd name="connsiteY7" fmla="*/ 1619580 h 1619580"/>
+              <a:gd name="connsiteX8" fmla="*/ 0 w 810072"/>
+              <a:gd name="connsiteY8" fmla="*/ 1389447 h 1619580"/>
+              <a:gd name="connsiteX9" fmla="*/ 0 w 810072"/>
+              <a:gd name="connsiteY9" fmla="*/ 821383 h 1619580"/>
+              <a:gd name="connsiteX10" fmla="*/ 0 w 810072"/>
+              <a:gd name="connsiteY10" fmla="*/ 230133 h 1619580"/>
+            </a:gdLst>
+            <a:ahLst/>
+            <a:cxnLst>
+              <a:cxn ang="0">
+                <a:pos x="connsiteX0" y="connsiteY0"/>
+              </a:cxn>
+              <a:cxn ang="0">
+                <a:pos x="connsiteX1" y="connsiteY1"/>
+              </a:cxn>
+              <a:cxn ang="0">
+                <a:pos x="connsiteX2" y="connsiteY2"/>
+              </a:cxn>
+              <a:cxn ang="0">
+                <a:pos x="connsiteX3" y="connsiteY3"/>
+              </a:cxn>
+              <a:cxn ang="0">
+                <a:pos x="connsiteX4" y="connsiteY4"/>
+              </a:cxn>
+              <a:cxn ang="0">
+                <a:pos x="connsiteX5" y="connsiteY5"/>
+              </a:cxn>
+              <a:cxn ang="0">
+                <a:pos x="connsiteX6" y="connsiteY6"/>
+              </a:cxn>
+              <a:cxn ang="0">
+                <a:pos x="connsiteX7" y="connsiteY7"/>
+              </a:cxn>
+              <a:cxn ang="0">
+                <a:pos x="connsiteX8" y="connsiteY8"/>
+              </a:cxn>
+              <a:cxn ang="0">
+                <a:pos x="connsiteX9" y="connsiteY9"/>
+              </a:cxn>
+              <a:cxn ang="0">
+                <a:pos x="connsiteX10" y="connsiteY10"/>
+              </a:cxn>
+            </a:cxnLst>
+            <a:rect l="l" t="t" r="r" b="b"/>
+            <a:pathLst>
+              <a:path w="810072" h="1619580" stroke="0" extrusionOk="0">
+                <a:moveTo>
+                  <a:pt x="0" y="230133"/>
+                </a:moveTo>
+                <a:cubicBezTo>
+                  <a:pt x="-14943" y="331589"/>
+                  <a:pt x="185453" y="445262"/>
+                  <a:pt x="405036" y="460266"/>
+                </a:cubicBezTo>
+                <a:cubicBezTo>
+                  <a:pt x="625640" y="475080"/>
+                  <a:pt x="808322" y="335850"/>
+                  <a:pt x="810072" y="230133"/>
+                </a:cubicBezTo>
+                <a:cubicBezTo>
+                  <a:pt x="812600" y="458858"/>
+                  <a:pt x="822488" y="561396"/>
+                  <a:pt x="810072" y="786604"/>
+                </a:cubicBezTo>
+                <a:cubicBezTo>
+                  <a:pt x="797656" y="1011812"/>
+                  <a:pt x="814195" y="1220575"/>
+                  <a:pt x="810072" y="1389447"/>
+                </a:cubicBezTo>
+                <a:cubicBezTo>
+                  <a:pt x="789425" y="1477210"/>
+                  <a:pt x="617451" y="1632573"/>
+                  <a:pt x="405036" y="1619580"/>
+                </a:cubicBezTo>
+                <a:cubicBezTo>
+                  <a:pt x="154285" y="1625925"/>
+                  <a:pt x="-18619" y="1504535"/>
+                  <a:pt x="0" y="1389447"/>
+                </a:cubicBezTo>
+                <a:cubicBezTo>
+                  <a:pt x="-12404" y="1271623"/>
+                  <a:pt x="-21171" y="948713"/>
+                  <a:pt x="0" y="821383"/>
+                </a:cubicBezTo>
+                <a:cubicBezTo>
+                  <a:pt x="21171" y="694053"/>
+                  <a:pt x="28281" y="369680"/>
+                  <a:pt x="0" y="230133"/>
+                </a:cubicBezTo>
+                <a:close/>
+              </a:path>
+              <a:path w="810072" h="1619580" fill="lighten" stroke="0" extrusionOk="0">
+                <a:moveTo>
+                  <a:pt x="0" y="230133"/>
+                </a:moveTo>
+                <a:cubicBezTo>
+                  <a:pt x="-10042" y="75334"/>
+                  <a:pt x="203489" y="23756"/>
+                  <a:pt x="405036" y="0"/>
+                </a:cubicBezTo>
+                <a:cubicBezTo>
+                  <a:pt x="636482" y="2150"/>
+                  <a:pt x="804578" y="102943"/>
+                  <a:pt x="810072" y="230133"/>
+                </a:cubicBezTo>
+                <a:cubicBezTo>
+                  <a:pt x="767895" y="343311"/>
+                  <a:pt x="581948" y="482414"/>
+                  <a:pt x="405036" y="460266"/>
+                </a:cubicBezTo>
+                <a:cubicBezTo>
+                  <a:pt x="167670" y="460649"/>
+                  <a:pt x="8362" y="363872"/>
+                  <a:pt x="0" y="230133"/>
+                </a:cubicBezTo>
+                <a:close/>
+              </a:path>
+              <a:path w="810072" h="1619580" fill="none" extrusionOk="0">
+                <a:moveTo>
+                  <a:pt x="810072" y="230133"/>
+                </a:moveTo>
+                <a:cubicBezTo>
+                  <a:pt x="838703" y="330234"/>
+                  <a:pt x="640629" y="460949"/>
+                  <a:pt x="405036" y="460266"/>
+                </a:cubicBezTo>
+                <a:cubicBezTo>
+                  <a:pt x="210519" y="471296"/>
+                  <a:pt x="-5204" y="360928"/>
+                  <a:pt x="0" y="230133"/>
+                </a:cubicBezTo>
+                <a:cubicBezTo>
+                  <a:pt x="1116" y="133928"/>
+                  <a:pt x="185950" y="-14882"/>
+                  <a:pt x="405036" y="0"/>
+                </a:cubicBezTo>
+                <a:cubicBezTo>
+                  <a:pt x="632518" y="23232"/>
+                  <a:pt x="815409" y="131751"/>
+                  <a:pt x="810072" y="230133"/>
+                </a:cubicBezTo>
+                <a:cubicBezTo>
+                  <a:pt x="806392" y="507946"/>
+                  <a:pt x="787264" y="630529"/>
+                  <a:pt x="810072" y="821383"/>
+                </a:cubicBezTo>
+                <a:cubicBezTo>
+                  <a:pt x="832881" y="1012237"/>
+                  <a:pt x="817984" y="1169563"/>
+                  <a:pt x="810072" y="1389447"/>
+                </a:cubicBezTo>
+                <a:cubicBezTo>
+                  <a:pt x="834845" y="1529064"/>
+                  <a:pt x="606395" y="1635190"/>
+                  <a:pt x="405036" y="1619580"/>
+                </a:cubicBezTo>
+                <a:cubicBezTo>
+                  <a:pt x="192926" y="1619677"/>
+                  <a:pt x="-9463" y="1499869"/>
+                  <a:pt x="0" y="1389447"/>
+                </a:cubicBezTo>
+                <a:cubicBezTo>
+                  <a:pt x="-12959" y="1193863"/>
+                  <a:pt x="-27767" y="1046796"/>
+                  <a:pt x="0" y="821383"/>
+                </a:cubicBezTo>
+                <a:cubicBezTo>
+                  <a:pt x="27767" y="595970"/>
+                  <a:pt x="16908" y="468334"/>
+                  <a:pt x="0" y="230133"/>
+                </a:cubicBezTo>
+              </a:path>
+              <a:path w="810072" h="1619580" fill="none" stroke="0" extrusionOk="0">
+                <a:moveTo>
+                  <a:pt x="810072" y="230133"/>
+                </a:moveTo>
+                <a:cubicBezTo>
+                  <a:pt x="775222" y="342078"/>
+                  <a:pt x="638610" y="484919"/>
+                  <a:pt x="405036" y="460266"/>
+                </a:cubicBezTo>
+                <a:cubicBezTo>
+                  <a:pt x="174558" y="476923"/>
+                  <a:pt x="-19540" y="333788"/>
+                  <a:pt x="0" y="230133"/>
+                </a:cubicBezTo>
+                <a:cubicBezTo>
+                  <a:pt x="-3251" y="127138"/>
+                  <a:pt x="143449" y="-24289"/>
+                  <a:pt x="405036" y="0"/>
+                </a:cubicBezTo>
+                <a:cubicBezTo>
+                  <a:pt x="643917" y="-3947"/>
+                  <a:pt x="781009" y="105078"/>
+                  <a:pt x="810072" y="230133"/>
+                </a:cubicBezTo>
+                <a:cubicBezTo>
+                  <a:pt x="811775" y="397455"/>
+                  <a:pt x="789299" y="579889"/>
+                  <a:pt x="810072" y="809790"/>
+                </a:cubicBezTo>
+                <a:cubicBezTo>
+                  <a:pt x="830845" y="1039691"/>
+                  <a:pt x="797886" y="1186766"/>
+                  <a:pt x="810072" y="1389447"/>
+                </a:cubicBezTo>
+                <a:cubicBezTo>
+                  <a:pt x="774558" y="1519416"/>
+                  <a:pt x="631985" y="1613746"/>
+                  <a:pt x="405036" y="1619580"/>
+                </a:cubicBezTo>
+                <a:cubicBezTo>
+                  <a:pt x="184748" y="1645202"/>
+                  <a:pt x="26685" y="1510152"/>
+                  <a:pt x="0" y="1389447"/>
+                </a:cubicBezTo>
+                <a:cubicBezTo>
+                  <a:pt x="-23531" y="1207052"/>
+                  <a:pt x="-25349" y="972840"/>
+                  <a:pt x="0" y="798197"/>
+                </a:cubicBezTo>
+                <a:cubicBezTo>
+                  <a:pt x="25349" y="623554"/>
+                  <a:pt x="18054" y="385270"/>
+                  <a:pt x="0" y="230133"/>
+                </a:cubicBezTo>
+              </a:path>
+            </a:pathLst>
+          </a:custGeom>
+          <a:solidFill>
+            <a:schemeClr val="bg1">
+              <a:lumMod val="85000"/>
+            </a:schemeClr>
+          </a:solidFill>
+          <a:ln w="76200" cap="flat" cmpd="sng" algn="ctr">
+            <a:solidFill>
+              <a:schemeClr val="dk1"/>
+            </a:solidFill>
+            <a:prstDash val="solid"/>
+            <a:round/>
+            <a:headEnd type="none" w="med" len="med"/>
+            <a:tailEnd type="none" w="med" len="med"/>
+            <a:extLst>
+              <a:ext uri="{C807C97D-BFC1-408E-A445-0C87EB9F89A2}">
+                <ask:lineSketchStyleProps xmlns:ask="http://schemas.microsoft.com/office/drawing/2018/sketchyshapes" sd="3062167132">
+                  <a:prstGeom prst="can">
+                    <a:avLst>
+                      <a:gd name="adj" fmla="val 56818"/>
+                    </a:avLst>
+                  </a:prstGeom>
+                  <ask:type>
+                    <ask:lineSketchFreehand/>
+                  </ask:type>
+                </ask:lineSketchStyleProps>
+              </a:ext>
+            </a:extLst>
+          </a:ln>
+        </p:spPr>
+        <p:style>
+          <a:lnRef idx="0">
+            <a:scrgbClr r="0" g="0" b="0"/>
+          </a:lnRef>
+          <a:fillRef idx="0">
+            <a:scrgbClr r="0" g="0" b="0"/>
+          </a:fillRef>
+          <a:effectRef idx="0">
+            <a:scrgbClr r="0" g="0" b="0"/>
+          </a:effectRef>
+          <a:fontRef idx="minor">
+            <a:schemeClr val="dk1"/>
+          </a:fontRef>
+        </p:style>
+        <p:txBody>
+          <a:bodyPr rtlCol="0" anchor="ctr"/>
+          <a:lstStyle/>
+          <a:p>
+            <a:pPr algn="ctr"/>
+            <a:endParaRPr lang="en-US" dirty="0"/>
+          </a:p>
+        </p:txBody>
+      </p:sp>
+      <p:sp>
+        <p:nvSpPr>
+          <p:cNvPr id="11" name="TextBox 10">
+            <a:extLst>
+              <a:ext uri="{FF2B5EF4-FFF2-40B4-BE49-F238E27FC236}">
+                <a16:creationId xmlns:a16="http://schemas.microsoft.com/office/drawing/2014/main" id="{69AFE9C6-15C4-48C6-8D71-CD4E018713F8}"/>
+              </a:ext>
+            </a:extLst>
+          </p:cNvPr>
+          <p:cNvSpPr txBox="1"/>
+          <p:nvPr/>
+        </p:nvSpPr>
+        <p:spPr>
+          <a:xfrm>
+            <a:off x="1348097" y="3760649"/>
+            <a:ext cx="1704313" cy="646331"/>
+          </a:xfrm>
+          <a:prstGeom prst="rect">
+            <a:avLst/>
+          </a:prstGeom>
+          <a:noFill/>
+        </p:spPr>
+        <p:txBody>
+          <a:bodyPr wrap="none" rtlCol="0">
+            <a:spAutoFit/>
+          </a:bodyPr>
+          <a:lstStyle/>
+          <a:p>
+            <a:r>
+              <a:rPr lang="en-US" b="1" dirty="0">
+                <a:latin typeface="Consolas" panose="020B0609020204030204" pitchFamily="49" charset="0"/>
+              </a:rPr>
+              <a:t>Input Stream</a:t>
+            </a:r>
+          </a:p>
+          <a:p>
+            <a:r>
+              <a:rPr lang="en-US" dirty="0">
+                <a:latin typeface="Consolas" panose="020B0609020204030204" pitchFamily="49" charset="0"/>
+              </a:rPr>
+              <a:t>Event Hub</a:t>
+            </a:r>
+          </a:p>
+        </p:txBody>
+      </p:sp>
+      <p:sp>
+        <p:nvSpPr>
+          <p:cNvPr id="13" name="TextBox 12">
+            <a:extLst>
+              <a:ext uri="{FF2B5EF4-FFF2-40B4-BE49-F238E27FC236}">
+                <a16:creationId xmlns:a16="http://schemas.microsoft.com/office/drawing/2014/main" id="{2EB9A51B-64FA-4C54-9533-6C0189F7432D}"/>
+              </a:ext>
+            </a:extLst>
+          </p:cNvPr>
+          <p:cNvSpPr txBox="1"/>
+          <p:nvPr/>
+        </p:nvSpPr>
+        <p:spPr>
+          <a:xfrm>
+            <a:off x="8777825" y="1449385"/>
+            <a:ext cx="2717411" cy="646331"/>
+          </a:xfrm>
+          <a:prstGeom prst="rect">
+            <a:avLst/>
+          </a:prstGeom>
+          <a:noFill/>
+        </p:spPr>
+        <p:txBody>
+          <a:bodyPr wrap="none" rtlCol="0">
+            <a:spAutoFit/>
+          </a:bodyPr>
+          <a:lstStyle/>
+          <a:p>
+            <a:r>
+              <a:rPr lang="en-US" b="1" dirty="0">
+                <a:latin typeface="Consolas" panose="020B0609020204030204" pitchFamily="49" charset="0"/>
+              </a:rPr>
+              <a:t>‘Materialized View’ </a:t>
+            </a:r>
+          </a:p>
+          <a:p>
+            <a:r>
+              <a:rPr lang="en-US" dirty="0">
+                <a:latin typeface="Consolas" panose="020B0609020204030204" pitchFamily="49" charset="0"/>
+              </a:rPr>
+              <a:t>Azure SQL</a:t>
+            </a:r>
+          </a:p>
+        </p:txBody>
+      </p:sp>
+      <p:sp>
+        <p:nvSpPr>
+          <p:cNvPr id="15" name="TextBox 14">
+            <a:extLst>
+              <a:ext uri="{FF2B5EF4-FFF2-40B4-BE49-F238E27FC236}">
+                <a16:creationId xmlns:a16="http://schemas.microsoft.com/office/drawing/2014/main" id="{5E2174EC-3AD6-4D0C-A832-618BA666EC1F}"/>
+              </a:ext>
+            </a:extLst>
+          </p:cNvPr>
+          <p:cNvSpPr txBox="1"/>
+          <p:nvPr/>
+        </p:nvSpPr>
+        <p:spPr>
+          <a:xfrm>
+            <a:off x="8777825" y="3970370"/>
+            <a:ext cx="2337499" cy="646331"/>
+          </a:xfrm>
+          <a:prstGeom prst="rect">
+            <a:avLst/>
+          </a:prstGeom>
+          <a:noFill/>
+        </p:spPr>
+        <p:txBody>
+          <a:bodyPr wrap="none" rtlCol="0">
+            <a:spAutoFit/>
+          </a:bodyPr>
+          <a:lstStyle/>
+          <a:p>
+            <a:r>
+              <a:rPr lang="en-US" b="1" dirty="0">
+                <a:latin typeface="Consolas" panose="020B0609020204030204" pitchFamily="49" charset="0"/>
+              </a:rPr>
+              <a:t>Full Output Table</a:t>
+            </a:r>
+          </a:p>
+          <a:p>
+            <a:r>
+              <a:rPr lang="en-US" dirty="0">
+                <a:latin typeface="Consolas" panose="020B0609020204030204" pitchFamily="49" charset="0"/>
+              </a:rPr>
+              <a:t>Azure SQL</a:t>
+            </a:r>
+          </a:p>
+        </p:txBody>
+      </p:sp>
+      <p:sp>
+        <p:nvSpPr>
+          <p:cNvPr id="16" name="Arrow: Right 15">
+            <a:extLst>
+              <a:ext uri="{FF2B5EF4-FFF2-40B4-BE49-F238E27FC236}">
+                <a16:creationId xmlns:a16="http://schemas.microsoft.com/office/drawing/2014/main" id="{587888B2-35BA-43E0-94B2-B5703D9867A9}"/>
+              </a:ext>
+            </a:extLst>
+          </p:cNvPr>
+          <p:cNvSpPr/>
+          <p:nvPr/>
+        </p:nvSpPr>
+        <p:spPr>
+          <a:xfrm>
+            <a:off x="3372089" y="2976835"/>
+            <a:ext cx="622905" cy="552324"/>
+          </a:xfrm>
+          <a:prstGeom prst="rightArrow">
+            <a:avLst/>
+          </a:prstGeom>
+        </p:spPr>
+        <p:style>
+          <a:lnRef idx="2">
+            <a:schemeClr val="dk1">
+              <a:shade val="50000"/>
+            </a:schemeClr>
+          </a:lnRef>
+          <a:fillRef idx="1">
+            <a:schemeClr val="dk1"/>
+          </a:fillRef>
+          <a:effectRef idx="0">
+            <a:schemeClr val="dk1"/>
+          </a:effectRef>
+          <a:fontRef idx="minor">
+            <a:schemeClr val="lt1"/>
+          </a:fontRef>
+        </p:style>
+        <p:txBody>
+          <a:bodyPr rtlCol="0" anchor="ctr"/>
+          <a:lstStyle/>
+          <a:p>
+            <a:pPr algn="ctr"/>
+            <a:endParaRPr lang="en-US"/>
+          </a:p>
+        </p:txBody>
+      </p:sp>
+      <p:sp>
+        <p:nvSpPr>
+          <p:cNvPr id="17" name="Arrow: Bent 16">
+            <a:extLst>
+              <a:ext uri="{FF2B5EF4-FFF2-40B4-BE49-F238E27FC236}">
+                <a16:creationId xmlns:a16="http://schemas.microsoft.com/office/drawing/2014/main" id="{B79D30EA-B02D-4A2E-A4C6-6076F1FEE106}"/>
+              </a:ext>
+            </a:extLst>
+          </p:cNvPr>
+          <p:cNvSpPr/>
+          <p:nvPr/>
+        </p:nvSpPr>
+        <p:spPr>
+          <a:xfrm>
+            <a:off x="4792657" y="826568"/>
+            <a:ext cx="1227382" cy="1022414"/>
+          </a:xfrm>
+          <a:prstGeom prst="bentArrow">
+            <a:avLst/>
+          </a:prstGeom>
+        </p:spPr>
+        <p:style>
+          <a:lnRef idx="2">
+            <a:schemeClr val="dk1">
+              <a:shade val="50000"/>
+            </a:schemeClr>
+          </a:lnRef>
+          <a:fillRef idx="1">
+            <a:schemeClr val="dk1"/>
+          </a:fillRef>
+          <a:effectRef idx="0">
+            <a:schemeClr val="dk1"/>
+          </a:effectRef>
+          <a:fontRef idx="minor">
+            <a:schemeClr val="lt1"/>
+          </a:fontRef>
+        </p:style>
+        <p:txBody>
+          <a:bodyPr rtlCol="0" anchor="ctr"/>
+          <a:lstStyle/>
+          <a:p>
+            <a:pPr algn="ctr"/>
+            <a:endParaRPr lang="en-US">
+              <a:solidFill>
+                <a:schemeClr val="tx1"/>
+              </a:solidFill>
+            </a:endParaRPr>
+          </a:p>
+        </p:txBody>
+      </p:sp>
+      <p:sp>
+        <p:nvSpPr>
+          <p:cNvPr id="19" name="Arrow: Bent 18">
+            <a:extLst>
+              <a:ext uri="{FF2B5EF4-FFF2-40B4-BE49-F238E27FC236}">
+                <a16:creationId xmlns:a16="http://schemas.microsoft.com/office/drawing/2014/main" id="{8E3D0AE0-18E4-49AA-ADCE-5AFEA3BDEC32}"/>
+              </a:ext>
+            </a:extLst>
+          </p:cNvPr>
+          <p:cNvSpPr/>
+          <p:nvPr/>
+        </p:nvSpPr>
+        <p:spPr>
+          <a:xfrm flipV="1">
+            <a:off x="4656339" y="4557331"/>
+            <a:ext cx="4120768" cy="1022414"/>
+          </a:xfrm>
+          <a:prstGeom prst="bentArrow">
+            <a:avLst/>
+          </a:prstGeom>
+        </p:spPr>
+        <p:style>
+          <a:lnRef idx="2">
+            <a:schemeClr val="dk1">
+              <a:shade val="50000"/>
+            </a:schemeClr>
+          </a:lnRef>
+          <a:fillRef idx="1">
+            <a:schemeClr val="dk1"/>
+          </a:fillRef>
+          <a:effectRef idx="0">
+            <a:schemeClr val="dk1"/>
+          </a:effectRef>
+          <a:fontRef idx="minor">
+            <a:schemeClr val="lt1"/>
+          </a:fontRef>
+        </p:style>
+        <p:txBody>
+          <a:bodyPr rtlCol="0" anchor="ctr"/>
+          <a:lstStyle/>
+          <a:p>
+            <a:pPr algn="ctr"/>
+            <a:endParaRPr lang="en-US">
+              <a:solidFill>
+                <a:schemeClr val="tx1"/>
+              </a:solidFill>
+            </a:endParaRPr>
+          </a:p>
+        </p:txBody>
+      </p:sp>
+      <p:pic>
+        <p:nvPicPr>
+          <p:cNvPr id="29" name="Picture 28">
+            <a:extLst>
+              <a:ext uri="{FF2B5EF4-FFF2-40B4-BE49-F238E27FC236}">
+                <a16:creationId xmlns:a16="http://schemas.microsoft.com/office/drawing/2014/main" id="{E6332A98-BC33-4A83-8E9E-247975459355}"/>
+              </a:ext>
+            </a:extLst>
+          </p:cNvPr>
+          <p:cNvPicPr>
+            <a:picLocks noChangeAspect="1"/>
+          </p:cNvPicPr>
+          <p:nvPr/>
+        </p:nvPicPr>
+        <p:blipFill>
+          <a:blip r:embed="rId2"/>
+          <a:stretch>
+            <a:fillRect/>
+          </a:stretch>
+        </p:blipFill>
+        <p:spPr>
+          <a:xfrm>
+            <a:off x="112886" y="553354"/>
+            <a:ext cx="2430492" cy="1818866"/>
+          </a:xfrm>
+          <a:prstGeom prst="rect">
+            <a:avLst/>
+          </a:prstGeom>
+        </p:spPr>
+      </p:pic>
+      <p:sp>
+        <p:nvSpPr>
+          <p:cNvPr id="35" name="Arrow: Bent 34">
+            <a:extLst>
+              <a:ext uri="{FF2B5EF4-FFF2-40B4-BE49-F238E27FC236}">
+                <a16:creationId xmlns:a16="http://schemas.microsoft.com/office/drawing/2014/main" id="{AD9F8FDD-8247-4E51-A37C-8D525B9A1C10}"/>
+              </a:ext>
+            </a:extLst>
+          </p:cNvPr>
+          <p:cNvSpPr/>
+          <p:nvPr/>
+        </p:nvSpPr>
+        <p:spPr>
+          <a:xfrm flipV="1">
+            <a:off x="255701" y="2506745"/>
+            <a:ext cx="1227382" cy="1022414"/>
+          </a:xfrm>
+          <a:prstGeom prst="bentArrow">
+            <a:avLst/>
+          </a:prstGeom>
+        </p:spPr>
+        <p:style>
+          <a:lnRef idx="2">
+            <a:schemeClr val="dk1">
+              <a:shade val="50000"/>
+            </a:schemeClr>
+          </a:lnRef>
+          <a:fillRef idx="1">
+            <a:schemeClr val="dk1"/>
+          </a:fillRef>
+          <a:effectRef idx="0">
+            <a:schemeClr val="dk1"/>
+          </a:effectRef>
+          <a:fontRef idx="minor">
+            <a:schemeClr val="lt1"/>
+          </a:fontRef>
+        </p:style>
+        <p:txBody>
+          <a:bodyPr rtlCol="0" anchor="ctr"/>
+          <a:lstStyle/>
+          <a:p>
+            <a:pPr algn="ctr"/>
+            <a:endParaRPr lang="en-US">
+              <a:solidFill>
+                <a:schemeClr val="tx1"/>
+              </a:solidFill>
+            </a:endParaRPr>
+          </a:p>
+        </p:txBody>
+      </p:sp>
+      <p:pic>
+        <p:nvPicPr>
+          <p:cNvPr id="37" name="Picture 36">
+            <a:extLst>
+              <a:ext uri="{FF2B5EF4-FFF2-40B4-BE49-F238E27FC236}">
+                <a16:creationId xmlns:a16="http://schemas.microsoft.com/office/drawing/2014/main" id="{CD30B10C-E2FE-4A5D-8018-67B994E4C978}"/>
+              </a:ext>
+            </a:extLst>
+          </p:cNvPr>
+          <p:cNvPicPr>
+            <a:picLocks noChangeAspect="1"/>
+          </p:cNvPicPr>
+          <p:nvPr/>
+        </p:nvPicPr>
+        <p:blipFill>
+          <a:blip r:embed="rId3"/>
+          <a:stretch>
+            <a:fillRect/>
+          </a:stretch>
+        </p:blipFill>
+        <p:spPr>
+          <a:xfrm>
+            <a:off x="8855565" y="4616701"/>
+            <a:ext cx="2717411" cy="1323107"/>
+          </a:xfrm>
+          <a:prstGeom prst="rect">
+            <a:avLst/>
+          </a:prstGeom>
+        </p:spPr>
+      </p:pic>
+      <p:pic>
+        <p:nvPicPr>
+          <p:cNvPr id="39" name="Picture 38">
+            <a:extLst>
+              <a:ext uri="{FF2B5EF4-FFF2-40B4-BE49-F238E27FC236}">
+                <a16:creationId xmlns:a16="http://schemas.microsoft.com/office/drawing/2014/main" id="{81C077E0-8CE9-488D-8FB0-956BB44138B2}"/>
+              </a:ext>
+            </a:extLst>
+          </p:cNvPr>
+          <p:cNvPicPr>
+            <a:picLocks noChangeAspect="1"/>
+          </p:cNvPicPr>
+          <p:nvPr/>
+        </p:nvPicPr>
+        <p:blipFill>
+          <a:blip r:embed="rId4"/>
+          <a:stretch>
+            <a:fillRect/>
+          </a:stretch>
+        </p:blipFill>
+        <p:spPr>
+          <a:xfrm>
+            <a:off x="8855565" y="737457"/>
+            <a:ext cx="2905079" cy="667606"/>
+          </a:xfrm>
+          <a:prstGeom prst="rect">
+            <a:avLst/>
+          </a:prstGeom>
+        </p:spPr>
+      </p:pic>
+      <p:sp>
+        <p:nvSpPr>
+          <p:cNvPr id="5" name="Lightning Bolt 4">
+            <a:extLst>
+              <a:ext uri="{FF2B5EF4-FFF2-40B4-BE49-F238E27FC236}">
+                <a16:creationId xmlns:a16="http://schemas.microsoft.com/office/drawing/2014/main" id="{E733A51F-58EF-4A36-BCD9-A1398FBCDE44}"/>
+              </a:ext>
+            </a:extLst>
+          </p:cNvPr>
+          <p:cNvSpPr/>
+          <p:nvPr/>
+        </p:nvSpPr>
+        <p:spPr>
+          <a:xfrm rot="21289319" flipH="1">
+            <a:off x="6079523" y="397066"/>
+            <a:ext cx="1044146" cy="1365422"/>
+          </a:xfrm>
+          <a:prstGeom prst="lightningBolt">
+            <a:avLst/>
+          </a:prstGeom>
+        </p:spPr>
+        <p:style>
+          <a:lnRef idx="2">
+            <a:schemeClr val="accent4">
+              <a:shade val="50000"/>
+            </a:schemeClr>
+          </a:lnRef>
+          <a:fillRef idx="1">
+            <a:schemeClr val="accent4"/>
+          </a:fillRef>
+          <a:effectRef idx="0">
+            <a:schemeClr val="accent4"/>
+          </a:effectRef>
+          <a:fontRef idx="minor">
+            <a:schemeClr val="lt1"/>
+          </a:fontRef>
+        </p:style>
+        <p:txBody>
+          <a:bodyPr rtlCol="0" anchor="ctr"/>
+          <a:lstStyle/>
+          <a:p>
+            <a:pPr algn="ctr"/>
+            <a:endParaRPr lang="en-US"/>
+          </a:p>
+        </p:txBody>
+      </p:sp>
+      <p:sp>
+        <p:nvSpPr>
+          <p:cNvPr id="8" name="Arrow: Right 7">
+            <a:extLst>
+              <a:ext uri="{FF2B5EF4-FFF2-40B4-BE49-F238E27FC236}">
+                <a16:creationId xmlns:a16="http://schemas.microsoft.com/office/drawing/2014/main" id="{44D92742-A839-465A-96F9-03A2E0382BBA}"/>
+              </a:ext>
+            </a:extLst>
+          </p:cNvPr>
+          <p:cNvSpPr/>
+          <p:nvPr/>
+        </p:nvSpPr>
+        <p:spPr>
+          <a:xfrm>
+            <a:off x="7319474" y="795098"/>
+            <a:ext cx="1300114" cy="552324"/>
+          </a:xfrm>
+          <a:prstGeom prst="rightArrow">
+            <a:avLst/>
+          </a:prstGeom>
+        </p:spPr>
+        <p:style>
+          <a:lnRef idx="2">
+            <a:schemeClr val="dk1">
+              <a:shade val="50000"/>
+            </a:schemeClr>
+          </a:lnRef>
+          <a:fillRef idx="1">
+            <a:schemeClr val="dk1"/>
+          </a:fillRef>
+          <a:effectRef idx="0">
+            <a:schemeClr val="dk1"/>
+          </a:effectRef>
+          <a:fontRef idx="minor">
+            <a:schemeClr val="lt1"/>
+          </a:fontRef>
+        </p:style>
+        <p:txBody>
+          <a:bodyPr rtlCol="0" anchor="ctr"/>
+          <a:lstStyle/>
+          <a:p>
+            <a:pPr algn="ctr"/>
+            <a:endParaRPr lang="en-US"/>
+          </a:p>
+        </p:txBody>
+      </p:sp>
+      <p:sp>
+        <p:nvSpPr>
+          <p:cNvPr id="10" name="Rectangle: Folded Corner 9">
+            <a:extLst>
+              <a:ext uri="{FF2B5EF4-FFF2-40B4-BE49-F238E27FC236}">
+                <a16:creationId xmlns:a16="http://schemas.microsoft.com/office/drawing/2014/main" id="{15A5B06C-60DD-47E8-8198-04E6249C6B84}"/>
+              </a:ext>
+            </a:extLst>
+          </p:cNvPr>
+          <p:cNvSpPr/>
+          <p:nvPr/>
+        </p:nvSpPr>
+        <p:spPr>
+          <a:xfrm>
+            <a:off x="4365713" y="2162494"/>
+            <a:ext cx="2589777" cy="2131042"/>
+          </a:xfrm>
+          <a:custGeom>
+            <a:avLst/>
+            <a:gdLst>
+              <a:gd name="connsiteX0" fmla="*/ 0 w 2589777"/>
+              <a:gd name="connsiteY0" fmla="*/ 0 h 2131042"/>
+              <a:gd name="connsiteX1" fmla="*/ 673342 w 2589777"/>
+              <a:gd name="connsiteY1" fmla="*/ 0 h 2131042"/>
+              <a:gd name="connsiteX2" fmla="*/ 1346684 w 2589777"/>
+              <a:gd name="connsiteY2" fmla="*/ 0 h 2131042"/>
+              <a:gd name="connsiteX3" fmla="*/ 1994128 w 2589777"/>
+              <a:gd name="connsiteY3" fmla="*/ 0 h 2131042"/>
+              <a:gd name="connsiteX4" fmla="*/ 2589777 w 2589777"/>
+              <a:gd name="connsiteY4" fmla="*/ 0 h 2131042"/>
+              <a:gd name="connsiteX5" fmla="*/ 2589777 w 2589777"/>
+              <a:gd name="connsiteY5" fmla="*/ 609712 h 2131042"/>
+              <a:gd name="connsiteX6" fmla="*/ 2589777 w 2589777"/>
+              <a:gd name="connsiteY6" fmla="*/ 1183907 h 2131042"/>
+              <a:gd name="connsiteX7" fmla="*/ 2589777 w 2589777"/>
+              <a:gd name="connsiteY7" fmla="*/ 1775861 h 2131042"/>
+              <a:gd name="connsiteX8" fmla="*/ 2234596 w 2589777"/>
+              <a:gd name="connsiteY8" fmla="*/ 2131042 h 2131042"/>
+              <a:gd name="connsiteX9" fmla="*/ 1742985 w 2589777"/>
+              <a:gd name="connsiteY9" fmla="*/ 2131042 h 2131042"/>
+              <a:gd name="connsiteX10" fmla="*/ 1206682 w 2589777"/>
+              <a:gd name="connsiteY10" fmla="*/ 2131042 h 2131042"/>
+              <a:gd name="connsiteX11" fmla="*/ 625687 w 2589777"/>
+              <a:gd name="connsiteY11" fmla="*/ 2131042 h 2131042"/>
+              <a:gd name="connsiteX12" fmla="*/ 0 w 2589777"/>
+              <a:gd name="connsiteY12" fmla="*/ 2131042 h 2131042"/>
+              <a:gd name="connsiteX13" fmla="*/ 0 w 2589777"/>
+              <a:gd name="connsiteY13" fmla="*/ 1662213 h 2131042"/>
+              <a:gd name="connsiteX14" fmla="*/ 0 w 2589777"/>
+              <a:gd name="connsiteY14" fmla="*/ 1086831 h 2131042"/>
+              <a:gd name="connsiteX15" fmla="*/ 0 w 2589777"/>
+              <a:gd name="connsiteY15" fmla="*/ 532761 h 2131042"/>
+              <a:gd name="connsiteX16" fmla="*/ 0 w 2589777"/>
+              <a:gd name="connsiteY16" fmla="*/ 0 h 2131042"/>
+              <a:gd name="connsiteX0" fmla="*/ 2234596 w 2589777"/>
+              <a:gd name="connsiteY0" fmla="*/ 2131042 h 2131042"/>
+              <a:gd name="connsiteX1" fmla="*/ 2305632 w 2589777"/>
+              <a:gd name="connsiteY1" fmla="*/ 1846897 h 2131042"/>
+              <a:gd name="connsiteX2" fmla="*/ 2589777 w 2589777"/>
+              <a:gd name="connsiteY2" fmla="*/ 1775861 h 2131042"/>
+              <a:gd name="connsiteX3" fmla="*/ 2234596 w 2589777"/>
+              <a:gd name="connsiteY3" fmla="*/ 2131042 h 2131042"/>
+              <a:gd name="connsiteX0" fmla="*/ 2234596 w 2589777"/>
+              <a:gd name="connsiteY0" fmla="*/ 2131042 h 2131042"/>
+              <a:gd name="connsiteX1" fmla="*/ 2305632 w 2589777"/>
+              <a:gd name="connsiteY1" fmla="*/ 1846897 h 2131042"/>
+              <a:gd name="connsiteX2" fmla="*/ 2589777 w 2589777"/>
+              <a:gd name="connsiteY2" fmla="*/ 1775861 h 2131042"/>
+              <a:gd name="connsiteX3" fmla="*/ 2234596 w 2589777"/>
+              <a:gd name="connsiteY3" fmla="*/ 2131042 h 2131042"/>
+              <a:gd name="connsiteX4" fmla="*/ 1720639 w 2589777"/>
+              <a:gd name="connsiteY4" fmla="*/ 2131042 h 2131042"/>
+              <a:gd name="connsiteX5" fmla="*/ 1117298 w 2589777"/>
+              <a:gd name="connsiteY5" fmla="*/ 2131042 h 2131042"/>
+              <a:gd name="connsiteX6" fmla="*/ 603341 w 2589777"/>
+              <a:gd name="connsiteY6" fmla="*/ 2131042 h 2131042"/>
+              <a:gd name="connsiteX7" fmla="*/ 0 w 2589777"/>
+              <a:gd name="connsiteY7" fmla="*/ 2131042 h 2131042"/>
+              <a:gd name="connsiteX8" fmla="*/ 0 w 2589777"/>
+              <a:gd name="connsiteY8" fmla="*/ 1598282 h 2131042"/>
+              <a:gd name="connsiteX9" fmla="*/ 0 w 2589777"/>
+              <a:gd name="connsiteY9" fmla="*/ 1129452 h 2131042"/>
+              <a:gd name="connsiteX10" fmla="*/ 0 w 2589777"/>
+              <a:gd name="connsiteY10" fmla="*/ 596692 h 2131042"/>
+              <a:gd name="connsiteX11" fmla="*/ 0 w 2589777"/>
+              <a:gd name="connsiteY11" fmla="*/ 0 h 2131042"/>
+              <a:gd name="connsiteX12" fmla="*/ 595649 w 2589777"/>
+              <a:gd name="connsiteY12" fmla="*/ 0 h 2131042"/>
+              <a:gd name="connsiteX13" fmla="*/ 1294889 w 2589777"/>
+              <a:gd name="connsiteY13" fmla="*/ 0 h 2131042"/>
+              <a:gd name="connsiteX14" fmla="*/ 1994128 w 2589777"/>
+              <a:gd name="connsiteY14" fmla="*/ 0 h 2131042"/>
+              <a:gd name="connsiteX15" fmla="*/ 2589777 w 2589777"/>
+              <a:gd name="connsiteY15" fmla="*/ 0 h 2131042"/>
+              <a:gd name="connsiteX16" fmla="*/ 2589777 w 2589777"/>
+              <a:gd name="connsiteY16" fmla="*/ 591954 h 2131042"/>
+              <a:gd name="connsiteX17" fmla="*/ 2589777 w 2589777"/>
+              <a:gd name="connsiteY17" fmla="*/ 1201666 h 2131042"/>
+              <a:gd name="connsiteX18" fmla="*/ 2589777 w 2589777"/>
+              <a:gd name="connsiteY18" fmla="*/ 1775861 h 2131042"/>
+            </a:gdLst>
+            <a:ahLst/>
+            <a:cxnLst>
+              <a:cxn ang="0">
+                <a:pos x="connsiteX0" y="connsiteY0"/>
+              </a:cxn>
+              <a:cxn ang="0">
+                <a:pos x="connsiteX1" y="connsiteY1"/>
+              </a:cxn>
+              <a:cxn ang="0">
+                <a:pos x="connsiteX2" y="connsiteY2"/>
+              </a:cxn>
+              <a:cxn ang="0">
+                <a:pos x="connsiteX3" y="connsiteY3"/>
+              </a:cxn>
+              <a:cxn ang="0">
+                <a:pos x="connsiteX4" y="connsiteY4"/>
+              </a:cxn>
+              <a:cxn ang="0">
+                <a:pos x="connsiteX5" y="connsiteY5"/>
+              </a:cxn>
+              <a:cxn ang="0">
+                <a:pos x="connsiteX6" y="connsiteY6"/>
+              </a:cxn>
+              <a:cxn ang="0">
+                <a:pos x="connsiteX7" y="connsiteY7"/>
+              </a:cxn>
+              <a:cxn ang="0">
+                <a:pos x="connsiteX8" y="connsiteY8"/>
+              </a:cxn>
+              <a:cxn ang="0">
+                <a:pos x="connsiteX9" y="connsiteY9"/>
+              </a:cxn>
+              <a:cxn ang="0">
+                <a:pos x="connsiteX10" y="connsiteY10"/>
+              </a:cxn>
+              <a:cxn ang="0">
+                <a:pos x="connsiteX11" y="connsiteY11"/>
+              </a:cxn>
+              <a:cxn ang="0">
+                <a:pos x="connsiteX12" y="connsiteY12"/>
+              </a:cxn>
+              <a:cxn ang="0">
+                <a:pos x="connsiteX13" y="connsiteY13"/>
+              </a:cxn>
+              <a:cxn ang="0">
+                <a:pos x="connsiteX14" y="connsiteY14"/>
+              </a:cxn>
+              <a:cxn ang="0">
+                <a:pos x="connsiteX15" y="connsiteY15"/>
+              </a:cxn>
+              <a:cxn ang="0">
+                <a:pos x="connsiteX16" y="connsiteY16"/>
+              </a:cxn>
+              <a:cxn ang="0">
+                <a:pos x="connsiteX17" y="connsiteY17"/>
+              </a:cxn>
+              <a:cxn ang="0">
+                <a:pos x="connsiteX18" y="connsiteY18"/>
+              </a:cxn>
+            </a:cxnLst>
+            <a:rect l="l" t="t" r="r" b="b"/>
+            <a:pathLst>
+              <a:path w="2589777" h="2131042" stroke="0" extrusionOk="0">
+                <a:moveTo>
+                  <a:pt x="0" y="0"/>
+                </a:moveTo>
+                <a:cubicBezTo>
+                  <a:pt x="166355" y="-3349"/>
+                  <a:pt x="437934" y="21294"/>
+                  <a:pt x="673342" y="0"/>
+                </a:cubicBezTo>
+                <a:cubicBezTo>
+                  <a:pt x="908750" y="-21294"/>
+                  <a:pt x="1170411" y="4779"/>
+                  <a:pt x="1346684" y="0"/>
+                </a:cubicBezTo>
+                <a:cubicBezTo>
+                  <a:pt x="1522957" y="-4779"/>
+                  <a:pt x="1678007" y="-30501"/>
+                  <a:pt x="1994128" y="0"/>
+                </a:cubicBezTo>
+                <a:cubicBezTo>
+                  <a:pt x="2310249" y="30501"/>
+                  <a:pt x="2412511" y="-24573"/>
+                  <a:pt x="2589777" y="0"/>
+                </a:cubicBezTo>
+                <a:cubicBezTo>
+                  <a:pt x="2593081" y="125954"/>
+                  <a:pt x="2592905" y="475258"/>
+                  <a:pt x="2589777" y="609712"/>
+                </a:cubicBezTo>
+                <a:cubicBezTo>
+                  <a:pt x="2586649" y="744166"/>
+                  <a:pt x="2592486" y="962038"/>
+                  <a:pt x="2589777" y="1183907"/>
+                </a:cubicBezTo>
+                <a:cubicBezTo>
+                  <a:pt x="2587068" y="1405776"/>
+                  <a:pt x="2615384" y="1644000"/>
+                  <a:pt x="2589777" y="1775861"/>
+                </a:cubicBezTo>
+                <a:cubicBezTo>
+                  <a:pt x="2458613" y="1940581"/>
+                  <a:pt x="2348327" y="2023285"/>
+                  <a:pt x="2234596" y="2131042"/>
+                </a:cubicBezTo>
+                <a:cubicBezTo>
+                  <a:pt x="1997149" y="2106726"/>
+                  <a:pt x="1940167" y="2146420"/>
+                  <a:pt x="1742985" y="2131042"/>
+                </a:cubicBezTo>
+                <a:cubicBezTo>
+                  <a:pt x="1545803" y="2115664"/>
+                  <a:pt x="1418114" y="2150193"/>
+                  <a:pt x="1206682" y="2131042"/>
+                </a:cubicBezTo>
+                <a:cubicBezTo>
+                  <a:pt x="995250" y="2111891"/>
+                  <a:pt x="755795" y="2102552"/>
+                  <a:pt x="625687" y="2131042"/>
+                </a:cubicBezTo>
+                <a:cubicBezTo>
+                  <a:pt x="495580" y="2159532"/>
+                  <a:pt x="284736" y="2148619"/>
+                  <a:pt x="0" y="2131042"/>
+                </a:cubicBezTo>
+                <a:cubicBezTo>
+                  <a:pt x="17018" y="1928868"/>
+                  <a:pt x="9538" y="1846159"/>
+                  <a:pt x="0" y="1662213"/>
+                </a:cubicBezTo>
+                <a:cubicBezTo>
+                  <a:pt x="-9538" y="1478267"/>
+                  <a:pt x="-20961" y="1224846"/>
+                  <a:pt x="0" y="1086831"/>
+                </a:cubicBezTo>
+                <a:cubicBezTo>
+                  <a:pt x="20961" y="948816"/>
+                  <a:pt x="-2888" y="654820"/>
+                  <a:pt x="0" y="532761"/>
+                </a:cubicBezTo>
+                <a:cubicBezTo>
+                  <a:pt x="2888" y="410702"/>
+                  <a:pt x="11404" y="122227"/>
+                  <a:pt x="0" y="0"/>
+                </a:cubicBezTo>
+                <a:close/>
+              </a:path>
+              <a:path w="2589777" h="2131042" fill="darkenLess" stroke="0" extrusionOk="0">
+                <a:moveTo>
+                  <a:pt x="2234596" y="2131042"/>
+                </a:moveTo>
+                <a:cubicBezTo>
+                  <a:pt x="2274083" y="2030570"/>
+                  <a:pt x="2287781" y="1970507"/>
+                  <a:pt x="2305632" y="1846897"/>
+                </a:cubicBezTo>
+                <a:cubicBezTo>
+                  <a:pt x="2404157" y="1827947"/>
+                  <a:pt x="2479367" y="1798507"/>
+                  <a:pt x="2589777" y="1775861"/>
+                </a:cubicBezTo>
+                <a:cubicBezTo>
+                  <a:pt x="2481592" y="1875285"/>
+                  <a:pt x="2366528" y="1982131"/>
+                  <a:pt x="2234596" y="2131042"/>
+                </a:cubicBezTo>
+                <a:close/>
+              </a:path>
+              <a:path w="2589777" h="2131042" fill="none" extrusionOk="0">
+                <a:moveTo>
+                  <a:pt x="2234596" y="2131042"/>
+                </a:moveTo>
+                <a:cubicBezTo>
+                  <a:pt x="2247629" y="2072722"/>
+                  <a:pt x="2266744" y="1942679"/>
+                  <a:pt x="2305632" y="1846897"/>
+                </a:cubicBezTo>
+                <a:cubicBezTo>
+                  <a:pt x="2382519" y="1839406"/>
+                  <a:pt x="2495669" y="1804506"/>
+                  <a:pt x="2589777" y="1775861"/>
+                </a:cubicBezTo>
+                <a:cubicBezTo>
+                  <a:pt x="2481802" y="1889881"/>
+                  <a:pt x="2345637" y="2003884"/>
+                  <a:pt x="2234596" y="2131042"/>
+                </a:cubicBezTo>
+                <a:cubicBezTo>
+                  <a:pt x="2011050" y="2118651"/>
+                  <a:pt x="1971362" y="2107706"/>
+                  <a:pt x="1720639" y="2131042"/>
+                </a:cubicBezTo>
+                <a:cubicBezTo>
+                  <a:pt x="1469916" y="2154378"/>
+                  <a:pt x="1305238" y="2118066"/>
+                  <a:pt x="1117298" y="2131042"/>
+                </a:cubicBezTo>
+                <a:cubicBezTo>
+                  <a:pt x="929358" y="2144018"/>
+                  <a:pt x="747518" y="2147141"/>
+                  <a:pt x="603341" y="2131042"/>
+                </a:cubicBezTo>
+                <a:cubicBezTo>
+                  <a:pt x="459164" y="2114943"/>
+                  <a:pt x="143491" y="2102011"/>
+                  <a:pt x="0" y="2131042"/>
+                </a:cubicBezTo>
+                <a:cubicBezTo>
+                  <a:pt x="-1215" y="1923965"/>
+                  <a:pt x="-1367" y="1738782"/>
+                  <a:pt x="0" y="1598282"/>
+                </a:cubicBezTo>
+                <a:cubicBezTo>
+                  <a:pt x="1367" y="1457782"/>
+                  <a:pt x="-6373" y="1276541"/>
+                  <a:pt x="0" y="1129452"/>
+                </a:cubicBezTo>
+                <a:cubicBezTo>
+                  <a:pt x="6373" y="982363"/>
+                  <a:pt x="3578" y="741146"/>
+                  <a:pt x="0" y="596692"/>
+                </a:cubicBezTo>
+                <a:cubicBezTo>
+                  <a:pt x="-3578" y="452238"/>
+                  <a:pt x="2907" y="250759"/>
+                  <a:pt x="0" y="0"/>
+                </a:cubicBezTo>
+                <a:cubicBezTo>
+                  <a:pt x="133101" y="26177"/>
+                  <a:pt x="469529" y="-27241"/>
+                  <a:pt x="595649" y="0"/>
+                </a:cubicBezTo>
+                <a:cubicBezTo>
+                  <a:pt x="721769" y="27241"/>
+                  <a:pt x="1134740" y="13492"/>
+                  <a:pt x="1294889" y="0"/>
+                </a:cubicBezTo>
+                <a:cubicBezTo>
+                  <a:pt x="1455038" y="-13492"/>
+                  <a:pt x="1681877" y="-18578"/>
+                  <a:pt x="1994128" y="0"/>
+                </a:cubicBezTo>
+                <a:cubicBezTo>
+                  <a:pt x="2306379" y="18578"/>
+                  <a:pt x="2378339" y="6322"/>
+                  <a:pt x="2589777" y="0"/>
+                </a:cubicBezTo>
+                <a:cubicBezTo>
+                  <a:pt x="2596562" y="187876"/>
+                  <a:pt x="2610532" y="455378"/>
+                  <a:pt x="2589777" y="591954"/>
+                </a:cubicBezTo>
+                <a:cubicBezTo>
+                  <a:pt x="2569022" y="728530"/>
+                  <a:pt x="2582359" y="930820"/>
+                  <a:pt x="2589777" y="1201666"/>
+                </a:cubicBezTo>
+                <a:cubicBezTo>
+                  <a:pt x="2597195" y="1472512"/>
+                  <a:pt x="2583184" y="1627636"/>
+                  <a:pt x="2589777" y="1775861"/>
+                </a:cubicBezTo>
+              </a:path>
+              <a:path w="2589777" h="2131042" fill="none" stroke="0" extrusionOk="0">
+                <a:moveTo>
+                  <a:pt x="2234596" y="2131042"/>
+                </a:moveTo>
+                <a:cubicBezTo>
+                  <a:pt x="2270167" y="2024615"/>
+                  <a:pt x="2276980" y="1956640"/>
+                  <a:pt x="2305632" y="1846897"/>
+                </a:cubicBezTo>
+                <a:cubicBezTo>
+                  <a:pt x="2378168" y="1831058"/>
+                  <a:pt x="2495233" y="1810950"/>
+                  <a:pt x="2589777" y="1775861"/>
+                </a:cubicBezTo>
+                <a:cubicBezTo>
+                  <a:pt x="2487527" y="1880315"/>
+                  <a:pt x="2387817" y="1985403"/>
+                  <a:pt x="2234596" y="2131042"/>
+                </a:cubicBezTo>
+                <a:cubicBezTo>
+                  <a:pt x="2046065" y="2158085"/>
+                  <a:pt x="1801518" y="2131209"/>
+                  <a:pt x="1653601" y="2131042"/>
+                </a:cubicBezTo>
+                <a:cubicBezTo>
+                  <a:pt x="1505684" y="2130875"/>
+                  <a:pt x="1314495" y="2144282"/>
+                  <a:pt x="1139644" y="2131042"/>
+                </a:cubicBezTo>
+                <a:cubicBezTo>
+                  <a:pt x="964793" y="2117802"/>
+                  <a:pt x="760812" y="2150016"/>
+                  <a:pt x="558649" y="2131042"/>
+                </a:cubicBezTo>
+                <a:cubicBezTo>
+                  <a:pt x="356486" y="2112068"/>
+                  <a:pt x="139068" y="2141209"/>
+                  <a:pt x="0" y="2131042"/>
+                </a:cubicBezTo>
+                <a:cubicBezTo>
+                  <a:pt x="23094" y="2000024"/>
+                  <a:pt x="-9767" y="1867707"/>
+                  <a:pt x="0" y="1662213"/>
+                </a:cubicBezTo>
+                <a:cubicBezTo>
+                  <a:pt x="9767" y="1456719"/>
+                  <a:pt x="8314" y="1363978"/>
+                  <a:pt x="0" y="1150763"/>
+                </a:cubicBezTo>
+                <a:cubicBezTo>
+                  <a:pt x="-8314" y="937548"/>
+                  <a:pt x="20800" y="888327"/>
+                  <a:pt x="0" y="681933"/>
+                </a:cubicBezTo>
+                <a:cubicBezTo>
+                  <a:pt x="-20800" y="475539"/>
+                  <a:pt x="-1968" y="326834"/>
+                  <a:pt x="0" y="0"/>
+                </a:cubicBezTo>
+                <a:cubicBezTo>
+                  <a:pt x="237935" y="13324"/>
+                  <a:pt x="384666" y="24300"/>
+                  <a:pt x="621546" y="0"/>
+                </a:cubicBezTo>
+                <a:cubicBezTo>
+                  <a:pt x="858426" y="-24300"/>
+                  <a:pt x="1068772" y="7202"/>
+                  <a:pt x="1217195" y="0"/>
+                </a:cubicBezTo>
+                <a:cubicBezTo>
+                  <a:pt x="1365618" y="-7202"/>
+                  <a:pt x="1695335" y="-12310"/>
+                  <a:pt x="1864639" y="0"/>
+                </a:cubicBezTo>
+                <a:cubicBezTo>
+                  <a:pt x="2033943" y="12310"/>
+                  <a:pt x="2422333" y="13534"/>
+                  <a:pt x="2589777" y="0"/>
+                </a:cubicBezTo>
+                <a:cubicBezTo>
+                  <a:pt x="2593952" y="289665"/>
+                  <a:pt x="2588262" y="386647"/>
+                  <a:pt x="2589777" y="627471"/>
+                </a:cubicBezTo>
+                <a:cubicBezTo>
+                  <a:pt x="2591292" y="868295"/>
+                  <a:pt x="2607742" y="1050079"/>
+                  <a:pt x="2589777" y="1254942"/>
+                </a:cubicBezTo>
+                <a:cubicBezTo>
+                  <a:pt x="2571812" y="1459805"/>
+                  <a:pt x="2602029" y="1629295"/>
+                  <a:pt x="2589777" y="1775861"/>
+                </a:cubicBezTo>
+              </a:path>
+            </a:pathLst>
+          </a:custGeom>
+          <a:solidFill>
+            <a:schemeClr val="accent4">
+              <a:lumMod val="20000"/>
+              <a:lumOff val="80000"/>
+            </a:schemeClr>
+          </a:solidFill>
+          <a:ln w="76200" cap="flat" cmpd="sng" algn="ctr">
+            <a:solidFill>
+              <a:schemeClr val="dk1"/>
+            </a:solidFill>
+            <a:prstDash val="solid"/>
+            <a:round/>
+            <a:headEnd type="none" w="med" len="med"/>
+            <a:tailEnd type="none" w="med" len="med"/>
+            <a:extLst>
+              <a:ext uri="{C807C97D-BFC1-408E-A445-0C87EB9F89A2}">
+                <ask:lineSketchStyleProps xmlns:ask="http://schemas.microsoft.com/office/drawing/2018/sketchyshapes" sd="630195749">
+                  <a:prstGeom prst="foldedCorner">
+                    <a:avLst/>
+                  </a:prstGeom>
+                  <ask:type>
+                    <ask:lineSketchFreehand/>
+                  </ask:type>
+                </ask:lineSketchStyleProps>
+              </a:ext>
+            </a:extLst>
+          </a:ln>
+        </p:spPr>
+        <p:style>
+          <a:lnRef idx="0">
+            <a:scrgbClr r="0" g="0" b="0"/>
+          </a:lnRef>
+          <a:fillRef idx="0">
+            <a:scrgbClr r="0" g="0" b="0"/>
+          </a:fillRef>
+          <a:effectRef idx="0">
+            <a:scrgbClr r="0" g="0" b="0"/>
+          </a:effectRef>
+          <a:fontRef idx="minor">
+            <a:schemeClr val="dk1"/>
+          </a:fontRef>
+        </p:style>
+        <p:txBody>
+          <a:bodyPr rtlCol="0" anchor="ctr"/>
+          <a:lstStyle/>
+          <a:p>
+            <a:pPr algn="ctr"/>
+            <a:endParaRPr lang="en-US">
+              <a:solidFill>
+                <a:schemeClr val="dk1"/>
+              </a:solidFill>
+            </a:endParaRPr>
+          </a:p>
+        </p:txBody>
+      </p:sp>
+      <p:sp>
+        <p:nvSpPr>
+          <p:cNvPr id="12" name="TextBox 11">
+            <a:extLst>
+              <a:ext uri="{FF2B5EF4-FFF2-40B4-BE49-F238E27FC236}">
+                <a16:creationId xmlns:a16="http://schemas.microsoft.com/office/drawing/2014/main" id="{1FA3140A-A308-4E42-AD60-727F260650A3}"/>
+              </a:ext>
+            </a:extLst>
+          </p:cNvPr>
+          <p:cNvSpPr txBox="1"/>
+          <p:nvPr/>
+        </p:nvSpPr>
+        <p:spPr>
+          <a:xfrm>
+            <a:off x="4461310" y="2299255"/>
+            <a:ext cx="2210862" cy="646331"/>
+          </a:xfrm>
+          <a:prstGeom prst="rect">
+            <a:avLst/>
+          </a:prstGeom>
+          <a:noFill/>
+        </p:spPr>
+        <p:txBody>
+          <a:bodyPr wrap="none" rtlCol="0">
+            <a:spAutoFit/>
+          </a:bodyPr>
+          <a:lstStyle/>
+          <a:p>
+            <a:r>
+              <a:rPr lang="en-US" b="1" dirty="0">
+                <a:latin typeface="Consolas" panose="020B0609020204030204" pitchFamily="49" charset="0"/>
+              </a:rPr>
+              <a:t>Event Processing</a:t>
+            </a:r>
+          </a:p>
+          <a:p>
+            <a:r>
+              <a:rPr lang="en-US" dirty="0">
+                <a:latin typeface="Consolas" panose="020B0609020204030204" pitchFamily="49" charset="0"/>
+              </a:rPr>
+              <a:t>Stream Analytics</a:t>
+            </a:r>
+          </a:p>
+        </p:txBody>
+      </p:sp>
+      <p:sp>
+        <p:nvSpPr>
+          <p:cNvPr id="14" name="TextBox 13">
+            <a:extLst>
+              <a:ext uri="{FF2B5EF4-FFF2-40B4-BE49-F238E27FC236}">
+                <a16:creationId xmlns:a16="http://schemas.microsoft.com/office/drawing/2014/main" id="{9B04A251-8772-48F6-90E8-7B5072927E2D}"/>
+              </a:ext>
+            </a:extLst>
+          </p:cNvPr>
+          <p:cNvSpPr txBox="1"/>
+          <p:nvPr/>
+        </p:nvSpPr>
+        <p:spPr>
+          <a:xfrm>
+            <a:off x="5250148" y="47969"/>
+            <a:ext cx="2844048" cy="646331"/>
+          </a:xfrm>
+          <a:prstGeom prst="rect">
+            <a:avLst/>
+          </a:prstGeom>
+          <a:noFill/>
+        </p:spPr>
+        <p:txBody>
+          <a:bodyPr wrap="none" rtlCol="0">
+            <a:spAutoFit/>
+          </a:bodyPr>
+          <a:lstStyle/>
+          <a:p>
+            <a:r>
+              <a:rPr lang="en-US" b="1" dirty="0">
+                <a:latin typeface="Consolas" panose="020B0609020204030204" pitchFamily="49" charset="0"/>
+              </a:rPr>
+              <a:t>Event Post-Processing</a:t>
+            </a:r>
+          </a:p>
+          <a:p>
+            <a:r>
+              <a:rPr lang="en-US" dirty="0">
+                <a:latin typeface="Consolas" panose="020B0609020204030204" pitchFamily="49" charset="0"/>
+              </a:rPr>
+              <a:t>Function</a:t>
+            </a:r>
+          </a:p>
+        </p:txBody>
+      </p:sp>
+    </p:spTree>
+    <p:extLst>
+      <p:ext uri="{BB962C8B-B14F-4D97-AF65-F5344CB8AC3E}">
+        <p14:creationId xmlns:p14="http://schemas.microsoft.com/office/powerpoint/2010/main" val="2218328125"/>
       </p:ext>
     </p:extLst>
   </p:cSld>
